--- a/lib/pptx/test/test11.pptx
+++ b/lib/pptx/test/test11.pptx
@@ -13,6 +13,8 @@
     <p:sldId id="258" r:id="rId10"/>
     <p:sldId id="259" r:id="rId11"/>
     <p:sldId id="260" r:id="rId12"/>
+    <p:sldId id="261" r:id="rId13"/>
+    <p:sldId id="262" r:id="rId14"/>
   </p:sldIdLst>
   <p:sldSz cx="24384000" cy="13716000"/>
   <p:notesSz cx="6858000" cy="9144000"/>
@@ -67,10 +69,10 @@
         </a:solidFill>
         <a:effectLst/>
         <a:uFillTx/>
-        <a:latin typeface="Helvetica Neue Medium"/>
-        <a:ea typeface="Helvetica Neue Medium"/>
-        <a:cs typeface="Helvetica Neue Medium"/>
-        <a:sym typeface="Helvetica Neue Medium"/>
+        <a:latin typeface="+mj-lt"/>
+        <a:ea typeface="+mj-ea"/>
+        <a:cs typeface="+mj-cs"/>
+        <a:sym typeface="Helvetica"/>
       </a:defRPr>
     </a:lvl1pPr>
     <a:lvl2pPr marL="0" marR="0" indent="0" algn="ctr" defTabSz="825500" rtl="0" fontAlgn="auto" latinLnBrk="0" hangingPunct="0">
@@ -97,10 +99,10 @@
         </a:solidFill>
         <a:effectLst/>
         <a:uFillTx/>
-        <a:latin typeface="Helvetica Neue Medium"/>
-        <a:ea typeface="Helvetica Neue Medium"/>
-        <a:cs typeface="Helvetica Neue Medium"/>
-        <a:sym typeface="Helvetica Neue Medium"/>
+        <a:latin typeface="+mj-lt"/>
+        <a:ea typeface="+mj-ea"/>
+        <a:cs typeface="+mj-cs"/>
+        <a:sym typeface="Helvetica"/>
       </a:defRPr>
     </a:lvl2pPr>
     <a:lvl3pPr marL="0" marR="0" indent="0" algn="ctr" defTabSz="825500" rtl="0" fontAlgn="auto" latinLnBrk="0" hangingPunct="0">
@@ -127,10 +129,10 @@
         </a:solidFill>
         <a:effectLst/>
         <a:uFillTx/>
-        <a:latin typeface="Helvetica Neue Medium"/>
-        <a:ea typeface="Helvetica Neue Medium"/>
-        <a:cs typeface="Helvetica Neue Medium"/>
-        <a:sym typeface="Helvetica Neue Medium"/>
+        <a:latin typeface="+mj-lt"/>
+        <a:ea typeface="+mj-ea"/>
+        <a:cs typeface="+mj-cs"/>
+        <a:sym typeface="Helvetica"/>
       </a:defRPr>
     </a:lvl3pPr>
     <a:lvl4pPr marL="0" marR="0" indent="0" algn="ctr" defTabSz="825500" rtl="0" fontAlgn="auto" latinLnBrk="0" hangingPunct="0">
@@ -157,10 +159,10 @@
         </a:solidFill>
         <a:effectLst/>
         <a:uFillTx/>
-        <a:latin typeface="Helvetica Neue Medium"/>
-        <a:ea typeface="Helvetica Neue Medium"/>
-        <a:cs typeface="Helvetica Neue Medium"/>
-        <a:sym typeface="Helvetica Neue Medium"/>
+        <a:latin typeface="+mj-lt"/>
+        <a:ea typeface="+mj-ea"/>
+        <a:cs typeface="+mj-cs"/>
+        <a:sym typeface="Helvetica"/>
       </a:defRPr>
     </a:lvl4pPr>
     <a:lvl5pPr marL="0" marR="0" indent="0" algn="ctr" defTabSz="825500" rtl="0" fontAlgn="auto" latinLnBrk="0" hangingPunct="0">
@@ -187,10 +189,10 @@
         </a:solidFill>
         <a:effectLst/>
         <a:uFillTx/>
-        <a:latin typeface="Helvetica Neue Medium"/>
-        <a:ea typeface="Helvetica Neue Medium"/>
-        <a:cs typeface="Helvetica Neue Medium"/>
-        <a:sym typeface="Helvetica Neue Medium"/>
+        <a:latin typeface="+mj-lt"/>
+        <a:ea typeface="+mj-ea"/>
+        <a:cs typeface="+mj-cs"/>
+        <a:sym typeface="Helvetica"/>
       </a:defRPr>
     </a:lvl5pPr>
     <a:lvl6pPr marL="0" marR="0" indent="0" algn="ctr" defTabSz="825500" rtl="0" fontAlgn="auto" latinLnBrk="0" hangingPunct="0">
@@ -217,10 +219,10 @@
         </a:solidFill>
         <a:effectLst/>
         <a:uFillTx/>
-        <a:latin typeface="Helvetica Neue Medium"/>
-        <a:ea typeface="Helvetica Neue Medium"/>
-        <a:cs typeface="Helvetica Neue Medium"/>
-        <a:sym typeface="Helvetica Neue Medium"/>
+        <a:latin typeface="+mj-lt"/>
+        <a:ea typeface="+mj-ea"/>
+        <a:cs typeface="+mj-cs"/>
+        <a:sym typeface="Helvetica"/>
       </a:defRPr>
     </a:lvl6pPr>
     <a:lvl7pPr marL="0" marR="0" indent="0" algn="ctr" defTabSz="825500" rtl="0" fontAlgn="auto" latinLnBrk="0" hangingPunct="0">
@@ -247,10 +249,10 @@
         </a:solidFill>
         <a:effectLst/>
         <a:uFillTx/>
-        <a:latin typeface="Helvetica Neue Medium"/>
-        <a:ea typeface="Helvetica Neue Medium"/>
-        <a:cs typeface="Helvetica Neue Medium"/>
-        <a:sym typeface="Helvetica Neue Medium"/>
+        <a:latin typeface="+mj-lt"/>
+        <a:ea typeface="+mj-ea"/>
+        <a:cs typeface="+mj-cs"/>
+        <a:sym typeface="Helvetica"/>
       </a:defRPr>
     </a:lvl7pPr>
     <a:lvl8pPr marL="0" marR="0" indent="0" algn="ctr" defTabSz="825500" rtl="0" fontAlgn="auto" latinLnBrk="0" hangingPunct="0">
@@ -277,10 +279,10 @@
         </a:solidFill>
         <a:effectLst/>
         <a:uFillTx/>
-        <a:latin typeface="Helvetica Neue Medium"/>
-        <a:ea typeface="Helvetica Neue Medium"/>
-        <a:cs typeface="Helvetica Neue Medium"/>
-        <a:sym typeface="Helvetica Neue Medium"/>
+        <a:latin typeface="+mj-lt"/>
+        <a:ea typeface="+mj-ea"/>
+        <a:cs typeface="+mj-cs"/>
+        <a:sym typeface="Helvetica"/>
       </a:defRPr>
     </a:lvl8pPr>
     <a:lvl9pPr marL="0" marR="0" indent="0" algn="ctr" defTabSz="825500" rtl="0" fontAlgn="auto" latinLnBrk="0" hangingPunct="0">
@@ -307,10 +309,10 @@
         </a:solidFill>
         <a:effectLst/>
         <a:uFillTx/>
-        <a:latin typeface="Helvetica Neue Medium"/>
-        <a:ea typeface="Helvetica Neue Medium"/>
-        <a:cs typeface="Helvetica Neue Medium"/>
-        <a:sym typeface="Helvetica Neue Medium"/>
+        <a:latin typeface="+mj-lt"/>
+        <a:ea typeface="+mj-ea"/>
+        <a:cs typeface="+mj-cs"/>
+        <a:sym typeface="Helvetica"/>
       </a:defRPr>
     </a:lvl9pPr>
   </p:defaultTextStyle>
@@ -359,7 +361,7 @@
           <c:x val="0.326207"/>
           <c:y val="0"/>
           <c:w val="0.0955063"/>
-          <c:h val="0.140852"/>
+          <c:h val="0.142635"/>
         </c:manualLayout>
       </c:layout>
       <c:overlay val="1"/>
@@ -376,9 +378,9 @@
           <c:xMode val="edge"/>
           <c:yMode val="edge"/>
           <c:x val="0.0620269"/>
-          <c:y val="0.140852"/>
+          <c:y val="0.142635"/>
           <c:w val="0.656014"/>
-          <c:h val="0.766814"/>
+          <c:h val="0.764021"/>
         </c:manualLayout>
       </c:layout>
       <c:lineChart>
@@ -709,9 +711,9 @@
           <c:xMode val="edge"/>
           <c:yMode val="edge"/>
           <c:x val="0.74055"/>
-          <c:y val="0.459597"/>
+          <c:y val="0.459165"/>
           <c:w val="0.25945"/>
-          <c:h val="0.154326"/>
+          <c:h val="0.155963"/>
         </c:manualLayout>
       </c:layout>
       <c:overlay val="1"/>
@@ -830,9 +832,9 @@
         <a:spcPct val="117999"/>
       </a:lnSpc>
       <a:defRPr sz="2200">
-        <a:latin typeface="+mj-lt"/>
-        <a:ea typeface="+mj-ea"/>
-        <a:cs typeface="+mj-cs"/>
+        <a:latin typeface="+mn-lt"/>
+        <a:ea typeface="+mn-ea"/>
+        <a:cs typeface="+mn-cs"/>
         <a:sym typeface="Helvetica Neue"/>
       </a:defRPr>
     </a:lvl1pPr>
@@ -841,9 +843,9 @@
         <a:spcPct val="117999"/>
       </a:lnSpc>
       <a:defRPr sz="2200">
-        <a:latin typeface="+mj-lt"/>
-        <a:ea typeface="+mj-ea"/>
-        <a:cs typeface="+mj-cs"/>
+        <a:latin typeface="+mn-lt"/>
+        <a:ea typeface="+mn-ea"/>
+        <a:cs typeface="+mn-cs"/>
         <a:sym typeface="Helvetica Neue"/>
       </a:defRPr>
     </a:lvl2pPr>
@@ -852,9 +854,9 @@
         <a:spcPct val="117999"/>
       </a:lnSpc>
       <a:defRPr sz="2200">
-        <a:latin typeface="+mj-lt"/>
-        <a:ea typeface="+mj-ea"/>
-        <a:cs typeface="+mj-cs"/>
+        <a:latin typeface="+mn-lt"/>
+        <a:ea typeface="+mn-ea"/>
+        <a:cs typeface="+mn-cs"/>
         <a:sym typeface="Helvetica Neue"/>
       </a:defRPr>
     </a:lvl3pPr>
@@ -863,9 +865,9 @@
         <a:spcPct val="117999"/>
       </a:lnSpc>
       <a:defRPr sz="2200">
-        <a:latin typeface="+mj-lt"/>
-        <a:ea typeface="+mj-ea"/>
-        <a:cs typeface="+mj-cs"/>
+        <a:latin typeface="+mn-lt"/>
+        <a:ea typeface="+mn-ea"/>
+        <a:cs typeface="+mn-cs"/>
         <a:sym typeface="Helvetica Neue"/>
       </a:defRPr>
     </a:lvl4pPr>
@@ -874,9 +876,9 @@
         <a:spcPct val="117999"/>
       </a:lnSpc>
       <a:defRPr sz="2200">
-        <a:latin typeface="+mj-lt"/>
-        <a:ea typeface="+mj-ea"/>
-        <a:cs typeface="+mj-cs"/>
+        <a:latin typeface="+mn-lt"/>
+        <a:ea typeface="+mn-ea"/>
+        <a:cs typeface="+mn-cs"/>
         <a:sym typeface="Helvetica Neue"/>
       </a:defRPr>
     </a:lvl5pPr>
@@ -885,9 +887,9 @@
         <a:spcPct val="117999"/>
       </a:lnSpc>
       <a:defRPr sz="2200">
-        <a:latin typeface="+mj-lt"/>
-        <a:ea typeface="+mj-ea"/>
-        <a:cs typeface="+mj-cs"/>
+        <a:latin typeface="+mn-lt"/>
+        <a:ea typeface="+mn-ea"/>
+        <a:cs typeface="+mn-cs"/>
         <a:sym typeface="Helvetica Neue"/>
       </a:defRPr>
     </a:lvl6pPr>
@@ -896,9 +898,9 @@
         <a:spcPct val="117999"/>
       </a:lnSpc>
       <a:defRPr sz="2200">
-        <a:latin typeface="+mj-lt"/>
-        <a:ea typeface="+mj-ea"/>
-        <a:cs typeface="+mj-cs"/>
+        <a:latin typeface="+mn-lt"/>
+        <a:ea typeface="+mn-ea"/>
+        <a:cs typeface="+mn-cs"/>
         <a:sym typeface="Helvetica Neue"/>
       </a:defRPr>
     </a:lvl7pPr>
@@ -907,9 +909,9 @@
         <a:spcPct val="117999"/>
       </a:lnSpc>
       <a:defRPr sz="2200">
-        <a:latin typeface="+mj-lt"/>
-        <a:ea typeface="+mj-ea"/>
-        <a:cs typeface="+mj-cs"/>
+        <a:latin typeface="+mn-lt"/>
+        <a:ea typeface="+mn-ea"/>
+        <a:cs typeface="+mn-cs"/>
         <a:sym typeface="Helvetica Neue"/>
       </a:defRPr>
     </a:lvl8pPr>
@@ -918,9 +920,9 @@
         <a:spcPct val="117999"/>
       </a:lnSpc>
       <a:defRPr sz="2200">
-        <a:latin typeface="+mj-lt"/>
-        <a:ea typeface="+mj-ea"/>
-        <a:cs typeface="+mj-cs"/>
+        <a:latin typeface="+mn-lt"/>
+        <a:ea typeface="+mn-ea"/>
+        <a:cs typeface="+mn-cs"/>
         <a:sym typeface="Helvetica Neue"/>
       </a:defRPr>
     </a:lvl9pPr>
@@ -1142,25 +1144,25 @@
               <a:buNone/>
               <a:defRPr i="1" sz="3200"/>
             </a:lvl1pPr>
-            <a:lvl2pPr marL="1025769" indent="-390769" algn="ctr">
+            <a:lvl2pPr marL="1025768" indent="-390768" algn="ctr">
               <a:spcBef>
                 <a:spcPts val="0"/>
               </a:spcBef>
               <a:defRPr i="1" sz="3200"/>
             </a:lvl2pPr>
-            <a:lvl3pPr marL="1660769" indent="-390769" algn="ctr">
+            <a:lvl3pPr marL="1660768" indent="-390768" algn="ctr">
               <a:spcBef>
                 <a:spcPts val="0"/>
               </a:spcBef>
               <a:defRPr i="1" sz="3200"/>
             </a:lvl3pPr>
-            <a:lvl4pPr marL="2295769" indent="-390769" algn="ctr">
+            <a:lvl4pPr marL="2295768" indent="-390768" algn="ctr">
               <a:spcBef>
                 <a:spcPts val="0"/>
               </a:spcBef>
               <a:defRPr i="1" sz="3200"/>
             </a:lvl4pPr>
-            <a:lvl5pPr marL="2930769" indent="-390769" algn="ctr">
+            <a:lvl5pPr marL="2930768" indent="-390768" algn="ctr">
               <a:spcBef>
                 <a:spcPts val="0"/>
               </a:spcBef>
@@ -1220,19 +1222,7 @@
           <a:bodyPr/>
           <a:lstStyle/>
           <a:p>
-            <a:pPr marL="0" indent="0" algn="ctr">
-              <a:spcBef>
-                <a:spcPts val="0"/>
-              </a:spcBef>
-              <a:buSzTx/>
-              <a:buNone/>
-              <a:defRPr>
-                <a:latin typeface="Helvetica Neue Medium"/>
-                <a:ea typeface="Helvetica Neue Medium"/>
-                <a:cs typeface="Helvetica Neue Medium"/>
-                <a:sym typeface="Helvetica Neue Medium"/>
-              </a:defRPr>
-            </a:pPr>
+            <a:pPr/>
           </a:p>
         </p:txBody>
       </p:sp>
@@ -1417,8 +1407,8 @@
         </p:nvSpPr>
         <p:spPr>
           <a:xfrm>
-            <a:off x="3125967" y="-393700"/>
-            <a:ext cx="18135603" cy="12090400"/>
+            <a:off x="3125966" y="-393700"/>
+            <a:ext cx="18135605" cy="12090400"/>
           </a:xfrm>
           <a:prstGeom prst="rect">
             <a:avLst/>
@@ -2905,9 +2895,9 @@
             <a:srgbClr val="000000"/>
           </a:solidFill>
           <a:uFillTx/>
-          <a:latin typeface="+mj-lt"/>
-          <a:ea typeface="+mj-ea"/>
-          <a:cs typeface="+mj-cs"/>
+          <a:latin typeface="+mn-lt"/>
+          <a:ea typeface="+mn-ea"/>
+          <a:cs typeface="+mn-cs"/>
           <a:sym typeface="Helvetica Neue"/>
         </a:defRPr>
       </a:lvl1pPr>
@@ -2931,9 +2921,9 @@
             <a:srgbClr val="000000"/>
           </a:solidFill>
           <a:uFillTx/>
-          <a:latin typeface="+mj-lt"/>
-          <a:ea typeface="+mj-ea"/>
-          <a:cs typeface="+mj-cs"/>
+          <a:latin typeface="+mn-lt"/>
+          <a:ea typeface="+mn-ea"/>
+          <a:cs typeface="+mn-cs"/>
           <a:sym typeface="Helvetica Neue"/>
         </a:defRPr>
       </a:lvl2pPr>
@@ -2957,9 +2947,9 @@
             <a:srgbClr val="000000"/>
           </a:solidFill>
           <a:uFillTx/>
-          <a:latin typeface="+mj-lt"/>
-          <a:ea typeface="+mj-ea"/>
-          <a:cs typeface="+mj-cs"/>
+          <a:latin typeface="+mn-lt"/>
+          <a:ea typeface="+mn-ea"/>
+          <a:cs typeface="+mn-cs"/>
           <a:sym typeface="Helvetica Neue"/>
         </a:defRPr>
       </a:lvl3pPr>
@@ -2983,9 +2973,9 @@
             <a:srgbClr val="000000"/>
           </a:solidFill>
           <a:uFillTx/>
-          <a:latin typeface="+mj-lt"/>
-          <a:ea typeface="+mj-ea"/>
-          <a:cs typeface="+mj-cs"/>
+          <a:latin typeface="+mn-lt"/>
+          <a:ea typeface="+mn-ea"/>
+          <a:cs typeface="+mn-cs"/>
           <a:sym typeface="Helvetica Neue"/>
         </a:defRPr>
       </a:lvl4pPr>
@@ -3009,13 +2999,13 @@
             <a:srgbClr val="000000"/>
           </a:solidFill>
           <a:uFillTx/>
-          <a:latin typeface="+mj-lt"/>
-          <a:ea typeface="+mj-ea"/>
-          <a:cs typeface="+mj-cs"/>
+          <a:latin typeface="+mn-lt"/>
+          <a:ea typeface="+mn-ea"/>
+          <a:cs typeface="+mn-cs"/>
           <a:sym typeface="Helvetica Neue"/>
         </a:defRPr>
       </a:lvl5pPr>
-      <a:lvl6pPr marL="3761153" marR="0" indent="-586153" algn="l" defTabSz="825500" rtl="0" latinLnBrk="0">
+      <a:lvl6pPr marL="3761152" marR="0" indent="-586152" algn="l" defTabSz="825500" rtl="0" latinLnBrk="0">
         <a:lnSpc>
           <a:spcPct val="100000"/>
         </a:lnSpc>
@@ -3035,13 +3025,13 @@
             <a:srgbClr val="000000"/>
           </a:solidFill>
           <a:uFillTx/>
-          <a:latin typeface="+mj-lt"/>
-          <a:ea typeface="+mj-ea"/>
-          <a:cs typeface="+mj-cs"/>
+          <a:latin typeface="+mn-lt"/>
+          <a:ea typeface="+mn-ea"/>
+          <a:cs typeface="+mn-cs"/>
           <a:sym typeface="Helvetica Neue"/>
         </a:defRPr>
       </a:lvl6pPr>
-      <a:lvl7pPr marL="4396153" marR="0" indent="-586153" algn="l" defTabSz="825500" rtl="0" latinLnBrk="0">
+      <a:lvl7pPr marL="4396152" marR="0" indent="-586152" algn="l" defTabSz="825500" rtl="0" latinLnBrk="0">
         <a:lnSpc>
           <a:spcPct val="100000"/>
         </a:lnSpc>
@@ -3061,13 +3051,13 @@
             <a:srgbClr val="000000"/>
           </a:solidFill>
           <a:uFillTx/>
-          <a:latin typeface="+mj-lt"/>
-          <a:ea typeface="+mj-ea"/>
-          <a:cs typeface="+mj-cs"/>
+          <a:latin typeface="+mn-lt"/>
+          <a:ea typeface="+mn-ea"/>
+          <a:cs typeface="+mn-cs"/>
           <a:sym typeface="Helvetica Neue"/>
         </a:defRPr>
       </a:lvl7pPr>
-      <a:lvl8pPr marL="5031153" marR="0" indent="-586153" algn="l" defTabSz="825500" rtl="0" latinLnBrk="0">
+      <a:lvl8pPr marL="5031152" marR="0" indent="-586152" algn="l" defTabSz="825500" rtl="0" latinLnBrk="0">
         <a:lnSpc>
           <a:spcPct val="100000"/>
         </a:lnSpc>
@@ -3087,13 +3077,13 @@
             <a:srgbClr val="000000"/>
           </a:solidFill>
           <a:uFillTx/>
-          <a:latin typeface="+mj-lt"/>
-          <a:ea typeface="+mj-ea"/>
-          <a:cs typeface="+mj-cs"/>
+          <a:latin typeface="+mn-lt"/>
+          <a:ea typeface="+mn-ea"/>
+          <a:cs typeface="+mn-cs"/>
           <a:sym typeface="Helvetica Neue"/>
         </a:defRPr>
       </a:lvl8pPr>
-      <a:lvl9pPr marL="5666153" marR="0" indent="-586153" algn="l" defTabSz="825500" rtl="0" latinLnBrk="0">
+      <a:lvl9pPr marL="5666152" marR="0" indent="-586152" algn="l" defTabSz="825500" rtl="0" latinLnBrk="0">
         <a:lnSpc>
           <a:spcPct val="100000"/>
         </a:lnSpc>
@@ -3113,9 +3103,9 @@
             <a:srgbClr val="000000"/>
           </a:solidFill>
           <a:uFillTx/>
-          <a:latin typeface="+mj-lt"/>
-          <a:ea typeface="+mj-ea"/>
-          <a:cs typeface="+mj-cs"/>
+          <a:latin typeface="+mn-lt"/>
+          <a:ea typeface="+mn-ea"/>
+          <a:cs typeface="+mn-cs"/>
           <a:sym typeface="Helvetica Neue"/>
         </a:defRPr>
       </a:lvl9pPr>
@@ -3386,6 +3376,10 @@
           </p:nvPr>
         </p:nvSpPr>
         <p:spPr>
+          <a:xfrm>
+            <a:off x="4300180" y="3686186"/>
+            <a:ext cx="15936009" cy="2201308"/>
+          </a:xfrm>
           <a:prstGeom prst="rect">
             <a:avLst/>
           </a:prstGeom>
@@ -3410,6 +3404,10 @@
           </p:nvPr>
         </p:nvSpPr>
         <p:spPr>
+          <a:xfrm>
+            <a:off x="3798637" y="7744857"/>
+            <a:ext cx="16786726" cy="1183623"/>
+          </a:xfrm>
           <a:prstGeom prst="rect">
             <a:avLst/>
           </a:prstGeom>
@@ -3622,7 +3620,7 @@
                       </a:pPr>
                       <a:r>
                         <a:rPr sz="3200">
-                          <a:sym typeface="Helvetica Neue Medium"/>
+                          <a:sym typeface="Helvetica"/>
                         </a:rPr>
                         <a:t>1</a:t>
                       </a:r>
@@ -3640,7 +3638,7 @@
                       </a:pPr>
                       <a:r>
                         <a:rPr sz="3200">
-                          <a:sym typeface="Helvetica Neue Medium"/>
+                          <a:sym typeface="Helvetica"/>
                         </a:rPr>
                         <a:t>2</a:t>
                       </a:r>
@@ -3658,7 +3656,7 @@
                       </a:pPr>
                       <a:r>
                         <a:rPr sz="3200">
-                          <a:sym typeface="Helvetica Neue Medium"/>
+                          <a:sym typeface="Helvetica"/>
                         </a:rPr>
                         <a:t>3</a:t>
                       </a:r>
@@ -3676,7 +3674,7 @@
                       </a:pPr>
                       <a:r>
                         <a:rPr sz="3200">
-                          <a:sym typeface="Helvetica Neue Medium"/>
+                          <a:sym typeface="Helvetica"/>
                         </a:rPr>
                         <a:t>4</a:t>
                       </a:r>
@@ -3696,7 +3694,7 @@
                       </a:pPr>
                       <a:r>
                         <a:rPr sz="3200">
-                          <a:sym typeface="Helvetica Neue Medium"/>
+                          <a:sym typeface="Helvetica"/>
                         </a:rPr>
                         <a:t>5</a:t>
                       </a:r>
@@ -3714,7 +3712,7 @@
                       </a:pPr>
                       <a:r>
                         <a:rPr sz="3200">
-                          <a:sym typeface="Helvetica Neue Medium"/>
+                          <a:sym typeface="Helvetica"/>
                         </a:rPr>
                         <a:t>6</a:t>
                       </a:r>
@@ -3732,7 +3730,7 @@
                       </a:pPr>
                       <a:r>
                         <a:rPr sz="3200">
-                          <a:sym typeface="Helvetica Neue Medium"/>
+                          <a:sym typeface="Helvetica"/>
                         </a:rPr>
                         <a:t>7</a:t>
                       </a:r>
@@ -3750,7 +3748,7 @@
                       </a:pPr>
                       <a:r>
                         <a:rPr sz="3200">
-                          <a:sym typeface="Helvetica Neue Medium"/>
+                          <a:sym typeface="Helvetica"/>
                         </a:rPr>
                         <a:t>8</a:t>
                       </a:r>
@@ -3767,7 +3765,7 @@
                     <a:p>
                       <a:pPr defTabSz="914400">
                         <a:defRPr sz="3200">
-                          <a:sym typeface="Helvetica Neue Medium"/>
+                          <a:sym typeface="Helvetica"/>
                         </a:defRPr>
                       </a:pPr>
                     </a:p>
@@ -3781,7 +3779,7 @@
                     <a:p>
                       <a:pPr defTabSz="914400">
                         <a:defRPr sz="3200">
-                          <a:sym typeface="Helvetica Neue Medium"/>
+                          <a:sym typeface="Helvetica"/>
                         </a:defRPr>
                       </a:pPr>
                     </a:p>
@@ -3795,7 +3793,7 @@
                     <a:p>
                       <a:pPr defTabSz="914400">
                         <a:defRPr sz="3200">
-                          <a:sym typeface="Helvetica Neue Medium"/>
+                          <a:sym typeface="Helvetica"/>
                         </a:defRPr>
                       </a:pPr>
                     </a:p>
@@ -3809,7 +3807,7 @@
                     <a:p>
                       <a:pPr defTabSz="914400">
                         <a:defRPr sz="3200">
-                          <a:sym typeface="Helvetica Neue Medium"/>
+                          <a:sym typeface="Helvetica"/>
                         </a:defRPr>
                       </a:pPr>
                     </a:p>
@@ -3825,7 +3823,7 @@
                     <a:p>
                       <a:pPr defTabSz="914400">
                         <a:defRPr sz="3200">
-                          <a:sym typeface="Helvetica Neue Medium"/>
+                          <a:sym typeface="Helvetica"/>
                         </a:defRPr>
                       </a:pPr>
                     </a:p>
@@ -3839,7 +3837,7 @@
                     <a:p>
                       <a:pPr defTabSz="914400">
                         <a:defRPr sz="3200">
-                          <a:sym typeface="Helvetica Neue Medium"/>
+                          <a:sym typeface="Helvetica"/>
                         </a:defRPr>
                       </a:pPr>
                     </a:p>
@@ -3853,7 +3851,7 @@
                     <a:p>
                       <a:pPr defTabSz="914400">
                         <a:defRPr sz="3200">
-                          <a:sym typeface="Helvetica Neue Medium"/>
+                          <a:sym typeface="Helvetica"/>
                         </a:defRPr>
                       </a:pPr>
                     </a:p>
@@ -3867,7 +3865,7 @@
                     <a:p>
                       <a:pPr defTabSz="914400">
                         <a:defRPr sz="3200">
-                          <a:sym typeface="Helvetica Neue Medium"/>
+                          <a:sym typeface="Helvetica"/>
                         </a:defRPr>
                       </a:pPr>
                     </a:p>
@@ -3936,8 +3934,8 @@
           <p:nvPr/>
         </p:nvGraphicFramePr>
         <p:xfrm>
-          <a:off x="7655457" y="3676642"/>
-          <a:ext cx="12433208" cy="8629187"/>
+          <a:off x="7655456" y="3676638"/>
+          <a:ext cx="12433213" cy="8521322"/>
         </p:xfrm>
         <a:graphic xmlns:a="http://schemas.openxmlformats.org/drawingml/2006/main">
           <a:graphicData uri="http://schemas.openxmlformats.org/drawingml/2006/chart">
@@ -3980,6 +3978,10 @@
           </p:nvPr>
         </p:nvSpPr>
         <p:spPr>
+          <a:xfrm>
+            <a:off x="0" y="0"/>
+            <a:ext cx="15936009" cy="2201308"/>
+          </a:xfrm>
           <a:prstGeom prst="rect">
             <a:avLst/>
           </a:prstGeom>
@@ -4009,6 +4011,10 @@
           </p:nvPr>
         </p:nvSpPr>
         <p:spPr>
+          <a:xfrm>
+            <a:off x="3798637" y="7744857"/>
+            <a:ext cx="16786726" cy="1183623"/>
+          </a:xfrm>
           <a:prstGeom prst="rect">
             <a:avLst/>
           </a:prstGeom>
@@ -4033,6 +4039,10 @@
           </p:nvPr>
         </p:nvSpPr>
         <p:spPr>
+          <a:xfrm>
+            <a:off x="3798637" y="3190175"/>
+            <a:ext cx="16786726" cy="1183623"/>
+          </a:xfrm>
           <a:prstGeom prst="rect">
             <a:avLst/>
           </a:prstGeom>
@@ -4062,6 +4072,10 @@
           </p:nvPr>
         </p:nvSpPr>
         <p:spPr>
+          <a:xfrm>
+            <a:off x="0" y="0"/>
+            <a:ext cx="16786726" cy="1183623"/>
+          </a:xfrm>
           <a:prstGeom prst="rect">
             <a:avLst/>
           </a:prstGeom>
@@ -4087,6 +4101,10 @@
           </p:nvPr>
         </p:nvSpPr>
         <p:spPr>
+          <a:xfrm>
+            <a:off x="0" y="0"/>
+            <a:ext cx="16786726" cy="1183623"/>
+          </a:xfrm>
           <a:prstGeom prst="rect">
             <a:avLst/>
           </a:prstGeom>
@@ -4116,6 +4134,10 @@
           </p:nvPr>
         </p:nvSpPr>
         <p:spPr>
+          <a:xfrm>
+            <a:off x="0" y="0"/>
+            <a:ext cx="16786726" cy="1183623"/>
+          </a:xfrm>
           <a:prstGeom prst="rect">
             <a:avLst/>
           </a:prstGeom>
@@ -4166,6 +4188,10 @@
           </p:nvPr>
         </p:nvSpPr>
         <p:spPr>
+          <a:xfrm>
+            <a:off x="4300180" y="3686186"/>
+            <a:ext cx="15936009" cy="2201308"/>
+          </a:xfrm>
           <a:prstGeom prst="rect">
             <a:avLst/>
           </a:prstGeom>
@@ -4176,7 +4202,7 @@
           <a:p>
             <a:pPr/>
             <a:r>
-              <a:t>Test</a:t>
+              <a:t/>
             </a:r>
           </a:p>
         </p:txBody>
@@ -4190,6 +4216,10 @@
           </p:nvPr>
         </p:nvSpPr>
         <p:spPr>
+          <a:xfrm>
+            <a:off x="3798637" y="7744857"/>
+            <a:ext cx="16786726" cy="1183623"/>
+          </a:xfrm>
           <a:prstGeom prst="rect">
             <a:avLst/>
           </a:prstGeom>
@@ -4200,7 +4230,7 @@
           <a:p>
             <a:pPr/>
             <a:r>
-              <a:t>It</a:t>
+              <a:t/>
             </a:r>
           </a:p>
         </p:txBody>
@@ -4238,81 +4268,7 @@
                       </a:pPr>
                       <a:r>
                         <a:rPr sz="3200">
-                          <a:sym typeface="Helvetica Neue Medium"/>
-                        </a:rPr>
-                        <a:t>h</a:t>
-                      </a:r>
-                    </a:p>
-                  </a:txBody>
-                  <a:tcPr marL="50800" marR="50800" marT="50800" marB="50800" anchor="ctr" anchorCtr="0" horzOverflow="overflow"/>
-                </a:tc>
-                <a:tc>
-                  <a:txBody>
-                    <a:bodyPr/>
-                    <a:lstStyle/>
-                    <a:p>
-                      <a:pPr defTabSz="914400">
-                        <a:defRPr sz="1800"/>
-                      </a:pPr>
-                      <a:r>
-                        <a:rPr sz="3200">
-                          <a:sym typeface="Helvetica Neue Medium"/>
-                        </a:rPr>
-                        <a:t>b</a:t>
-                      </a:r>
-                    </a:p>
-                  </a:txBody>
-                  <a:tcPr marL="50800" marR="50800" marT="50800" marB="50800" anchor="ctr" anchorCtr="0" horzOverflow="overflow"/>
-                </a:tc>
-                <a:tc>
-                  <a:txBody>
-                    <a:bodyPr/>
-                    <a:lstStyle/>
-                    <a:p>
-                      <a:pPr defTabSz="914400">
-                        <a:defRPr sz="1800"/>
-                      </a:pPr>
-                      <a:r>
-                        <a:rPr sz="3200">
-                          <a:sym typeface="Helvetica Neue Medium"/>
-                        </a:rPr>
-                        <a:t>c</a:t>
-                      </a:r>
-                    </a:p>
-                  </a:txBody>
-                  <a:tcPr marL="50800" marR="50800" marT="50800" marB="50800" anchor="ctr" anchorCtr="0" horzOverflow="overflow"/>
-                </a:tc>
-                <a:tc>
-                  <a:txBody>
-                    <a:bodyPr/>
-                    <a:lstStyle/>
-                    <a:p>
-                      <a:pPr defTabSz="914400">
-                        <a:defRPr sz="1800"/>
-                      </a:pPr>
-                      <a:r>
-                        <a:rPr sz="3200">
-                          <a:sym typeface="Helvetica Neue Medium"/>
-                        </a:rPr>
-                        <a:t>d</a:t>
-                      </a:r>
-                    </a:p>
-                  </a:txBody>
-                  <a:tcPr marL="50800" marR="50800" marT="50800" marB="50800" anchor="ctr" anchorCtr="0" horzOverflow="overflow"/>
-                </a:tc>
-              </a:tr>
-              <a:tr h="1859279">
-                <a:tc>
-                  <a:txBody>
-                    <a:bodyPr/>
-                    <a:lstStyle/>
-                    <a:p>
-                      <a:pPr defTabSz="914400">
-                        <a:defRPr sz="1800"/>
-                      </a:pPr>
-                      <a:r>
-                        <a:rPr sz="3200">
-                          <a:sym typeface="Helvetica Neue Medium"/>
+                          <a:sym typeface="Helvetica"/>
                         </a:rPr>
                         <a:t>1</a:t>
                       </a:r>
@@ -4330,7 +4286,7 @@
                       </a:pPr>
                       <a:r>
                         <a:rPr sz="3200">
-                          <a:sym typeface="Helvetica Neue Medium"/>
+                          <a:sym typeface="Helvetica"/>
                         </a:rPr>
                         <a:t>2</a:t>
                       </a:r>
@@ -4348,7 +4304,7 @@
                       </a:pPr>
                       <a:r>
                         <a:rPr sz="3200">
-                          <a:sym typeface="Helvetica Neue Medium"/>
+                          <a:sym typeface="Helvetica"/>
                         </a:rPr>
                         <a:t>3</a:t>
                       </a:r>
@@ -4366,7 +4322,7 @@
                       </a:pPr>
                       <a:r>
                         <a:rPr sz="3200">
-                          <a:sym typeface="Helvetica Neue Medium"/>
+                          <a:sym typeface="Helvetica"/>
                         </a:rPr>
                         <a:t>4</a:t>
                       </a:r>
@@ -4386,25 +4342,7 @@
                       </a:pPr>
                       <a:r>
                         <a:rPr sz="3200">
-                          <a:sym typeface="Helvetica Neue Medium"/>
-                        </a:rPr>
-                        <a:t>4</a:t>
-                      </a:r>
-                    </a:p>
-                  </a:txBody>
-                  <a:tcPr marL="50800" marR="50800" marT="50800" marB="50800" anchor="ctr" anchorCtr="0" horzOverflow="overflow"/>
-                </a:tc>
-                <a:tc>
-                  <a:txBody>
-                    <a:bodyPr/>
-                    <a:lstStyle/>
-                    <a:p>
-                      <a:pPr defTabSz="914400">
-                        <a:defRPr sz="1800"/>
-                      </a:pPr>
-                      <a:r>
-                        <a:rPr sz="3200">
-                          <a:sym typeface="Helvetica Neue Medium"/>
+                          <a:sym typeface="Helvetica"/>
                         </a:rPr>
                         <a:t>5</a:t>
                       </a:r>
@@ -4422,7 +4360,7 @@
                       </a:pPr>
                       <a:r>
                         <a:rPr sz="3200">
-                          <a:sym typeface="Helvetica Neue Medium"/>
+                          <a:sym typeface="Helvetica"/>
                         </a:rPr>
                         <a:t>6</a:t>
                       </a:r>
@@ -4440,9 +4378,101 @@
                       </a:pPr>
                       <a:r>
                         <a:rPr sz="3200">
-                          <a:sym typeface="Helvetica Neue Medium"/>
+                          <a:sym typeface="Helvetica"/>
                         </a:rPr>
                         <a:t>7</a:t>
+                      </a:r>
+                    </a:p>
+                  </a:txBody>
+                  <a:tcPr marL="50800" marR="50800" marT="50800" marB="50800" anchor="ctr" anchorCtr="0" horzOverflow="overflow"/>
+                </a:tc>
+                <a:tc>
+                  <a:txBody>
+                    <a:bodyPr/>
+                    <a:lstStyle/>
+                    <a:p>
+                      <a:pPr defTabSz="914400">
+                        <a:defRPr sz="1800"/>
+                      </a:pPr>
+                      <a:r>
+                        <a:rPr sz="3200">
+                          <a:sym typeface="Helvetica"/>
+                        </a:rPr>
+                        <a:t>8</a:t>
+                      </a:r>
+                    </a:p>
+                  </a:txBody>
+                  <a:tcPr marL="50800" marR="50800" marT="50800" marB="50800" anchor="ctr" anchorCtr="0" horzOverflow="overflow"/>
+                </a:tc>
+              </a:tr>
+              <a:tr h="1859279">
+                <a:tc>
+                  <a:txBody>
+                    <a:bodyPr/>
+                    <a:lstStyle/>
+                    <a:p>
+                      <a:pPr defTabSz="914400">
+                        <a:defRPr sz="1800"/>
+                      </a:pPr>
+                      <a:r>
+                        <a:rPr sz="3200">
+                          <a:sym typeface="Helvetica"/>
+                        </a:rPr>
+                        <a:t>9</a:t>
+                      </a:r>
+                    </a:p>
+                  </a:txBody>
+                  <a:tcPr marL="50800" marR="50800" marT="50800" marB="50800" anchor="ctr" anchorCtr="0" horzOverflow="overflow"/>
+                </a:tc>
+                <a:tc>
+                  <a:txBody>
+                    <a:bodyPr/>
+                    <a:lstStyle/>
+                    <a:p>
+                      <a:pPr defTabSz="914400">
+                        <a:defRPr sz="1800"/>
+                      </a:pPr>
+                      <a:r>
+                        <a:rPr sz="3200">
+                          <a:sym typeface="Helvetica"/>
+                        </a:rPr>
+                        <a:t>10</a:t>
+                      </a:r>
+                    </a:p>
+                  </a:txBody>
+                  <a:tcPr marL="50800" marR="50800" marT="50800" marB="50800" anchor="ctr" anchorCtr="0" horzOverflow="overflow"/>
+                </a:tc>
+                <a:tc>
+                  <a:txBody>
+                    <a:bodyPr/>
+                    <a:lstStyle/>
+                    <a:p>
+                      <a:pPr defTabSz="914400">
+                        <a:defRPr sz="1800"/>
+                      </a:pPr>
+                      <a:r>
+                        <a:rPr sz="3200">
+                          <a:sym typeface="Helvetica"/>
+                        </a:rPr>
+                        <a:t>11</a:t>
+                      </a:r>
+                    </a:p>
+                  </a:txBody>
+                  <a:tcPr marL="50800" marR="50800" marT="50800" marB="50800" anchor="ctr" anchorCtr="0" horzOverflow="overflow"/>
+                </a:tc>
+                <a:tc>
+                  <a:txBody>
+                    <a:bodyPr/>
+                    <a:lstStyle/>
+                    <a:p>
+                      <a:pPr defTabSz="914400">
+                        <a:defRPr sz="1800"/>
+                      </a:pPr>
+                      <a:r>
+                        <a:rPr sz="3200">
+                          <a:sym typeface="Helvetica"/>
+                        </a:rPr>
+                        <a:t>12</a:t>
                       </a:r>
                     </a:p>
                   </a:txBody>
@@ -4453,6 +4483,170 @@
           </a:graphicData>
         </a:graphic>
       </p:graphicFrame>
+    </p:spTree>
+  </p:cSld>
+  <p:clrMapOvr>
+    <a:masterClrMapping/>
+  </p:clrMapOvr>
+  <p:transition xmlns:p14="http://schemas.microsoft.com/office/powerpoint/2010/main" spd="med" advClick="1"/>
+</p:sld>
+</file>
+
+<file path=ppt/slides/slide6.xml><?xml version="1.0" encoding="utf-8"?>
+<p:sld xmlns:a="http://schemas.openxmlformats.org/drawingml/2006/main" xmlns:r="http://schemas.openxmlformats.org/officeDocument/2006/relationships" xmlns:p="http://schemas.openxmlformats.org/presentationml/2006/main" xmlns:m="http://schemas.openxmlformats.org/officeDocument/2006/math" xmlns:a14="http://schemas.microsoft.com/office/drawing/2010/main" showMasterSp="1" showMasterPhAnim="1">
+  <p:cSld>
+    <p:spTree>
+      <p:nvGrpSpPr>
+        <p:cNvPr id="1" name=""/>
+        <p:cNvGrpSpPr/>
+        <p:nvPr/>
+      </p:nvGrpSpPr>
+      <p:grpSpPr>
+        <a:xfrm>
+          <a:off x="0" y="0"/>
+          <a:ext cx="0" cy="0"/>
+          <a:chOff x="0" y="0"/>
+          <a:chExt cx="0" cy="0"/>
+        </a:xfrm>
+      </p:grpSpPr>
+      <p:sp>
+        <p:nvSpPr>
+          <p:cNvPr id="119" name="Test"/>
+          <p:cNvSpPr txBox="1"/>
+          <p:nvPr>
+            <p:ph type="ctrTitle"/>
+          </p:nvPr>
+        </p:nvSpPr>
+        <p:spPr>
+          <a:xfrm>
+            <a:off x="4300180" y="3686186"/>
+            <a:ext cx="15936009" cy="2201308"/>
+          </a:xfrm>
+          <a:prstGeom prst="rect">
+            <a:avLst/>
+          </a:prstGeom>
+        </p:spPr>
+        <p:txBody>
+          <a:bodyPr/>
+          <a:lstStyle/>
+          <a:p>
+            <a:pPr/>
+            <a:r>
+              <a:t/>
+            </a:r>
+          </a:p>
+        </p:txBody>
+      </p:sp>
+      <p:sp>
+        <p:nvSpPr>
+          <p:cNvPr id="120" name="It"/>
+          <p:cNvSpPr txBox="1"/>
+          <p:nvPr>
+            <p:ph type="subTitle" sz="quarter" idx="1"/>
+          </p:nvPr>
+        </p:nvSpPr>
+        <p:spPr>
+          <a:xfrm>
+            <a:off x="3798637" y="7744857"/>
+            <a:ext cx="16786726" cy="1183623"/>
+          </a:xfrm>
+          <a:prstGeom prst="rect">
+            <a:avLst/>
+          </a:prstGeom>
+        </p:spPr>
+        <p:txBody>
+          <a:bodyPr/>
+          <a:lstStyle/>
+          <a:p>
+            <a:pPr/>
+            <a:r>
+              <a:t/>
+            </a:r>
+          </a:p>
+        </p:txBody>
+      </p:sp>
+    </p:spTree>
+  </p:cSld>
+  <p:clrMapOvr>
+    <a:masterClrMapping/>
+  </p:clrMapOvr>
+  <p:transition xmlns:p14="http://schemas.microsoft.com/office/powerpoint/2010/main" spd="med" advClick="1"/>
+</p:sld>
+</file>
+
+<file path=ppt/slides/slide7.xml><?xml version="1.0" encoding="utf-8"?>
+<p:sld xmlns:a="http://schemas.openxmlformats.org/drawingml/2006/main" xmlns:r="http://schemas.openxmlformats.org/officeDocument/2006/relationships" xmlns:p="http://schemas.openxmlformats.org/presentationml/2006/main" xmlns:m="http://schemas.openxmlformats.org/officeDocument/2006/math" xmlns:a14="http://schemas.microsoft.com/office/drawing/2010/main" showMasterSp="1" showMasterPhAnim="1">
+  <p:cSld>
+    <p:spTree>
+      <p:nvGrpSpPr>
+        <p:cNvPr id="1" name=""/>
+        <p:cNvGrpSpPr/>
+        <p:nvPr/>
+      </p:nvGrpSpPr>
+      <p:grpSpPr>
+        <a:xfrm>
+          <a:off x="0" y="0"/>
+          <a:ext cx="0" cy="0"/>
+          <a:chOff x="0" y="0"/>
+          <a:chExt cx="0" cy="0"/>
+        </a:xfrm>
+      </p:grpSpPr>
+      <p:sp>
+        <p:nvSpPr>
+          <p:cNvPr id="119" name="Test"/>
+          <p:cNvSpPr txBox="1"/>
+          <p:nvPr>
+            <p:ph type="ctrTitle"/>
+          </p:nvPr>
+        </p:nvSpPr>
+        <p:spPr>
+          <a:xfrm>
+            <a:off x="4300180" y="3686186"/>
+            <a:ext cx="15936009" cy="2201308"/>
+          </a:xfrm>
+          <a:prstGeom prst="rect">
+            <a:avLst/>
+          </a:prstGeom>
+        </p:spPr>
+        <p:txBody>
+          <a:bodyPr/>
+          <a:lstStyle/>
+          <a:p>
+            <a:pPr/>
+            <a:r>
+              <a:t/>
+            </a:r>
+          </a:p>
+        </p:txBody>
+      </p:sp>
+      <p:sp>
+        <p:nvSpPr>
+          <p:cNvPr id="120" name="It"/>
+          <p:cNvSpPr txBox="1"/>
+          <p:nvPr>
+            <p:ph type="subTitle" sz="quarter" idx="1"/>
+          </p:nvPr>
+        </p:nvSpPr>
+        <p:spPr>
+          <a:xfrm>
+            <a:off x="3798637" y="7744857"/>
+            <a:ext cx="16786726" cy="1183623"/>
+          </a:xfrm>
+          <a:prstGeom prst="rect">
+            <a:avLst/>
+          </a:prstGeom>
+        </p:spPr>
+        <p:txBody>
+          <a:bodyPr/>
+          <a:lstStyle/>
+          <a:p>
+            <a:pPr/>
+            <a:r>
+              <a:t/>
+            </a:r>
+          </a:p>
+        </p:txBody>
+      </p:sp>
     </p:spTree>
   </p:cSld>
   <p:clrMapOvr>
@@ -4505,14 +4699,14 @@
     </a:clrScheme>
     <a:fontScheme name="White">
       <a:majorFont>
+        <a:latin typeface="Helvetica"/>
+        <a:ea typeface="Helvetica"/>
+        <a:cs typeface="Helvetica"/>
+      </a:majorFont>
+      <a:minorFont>
         <a:latin typeface="Helvetica Neue"/>
         <a:ea typeface="Helvetica Neue"/>
         <a:cs typeface="Helvetica Neue"/>
-      </a:majorFont>
-      <a:minorFont>
-        <a:latin typeface="Helvetica"/>
-        <a:ea typeface="Helvetica"/>
-        <a:cs typeface="Helvetica"/>
       </a:minorFont>
     </a:fontScheme>
     <a:fmtScheme name="White">
@@ -4693,10 +4887,10 @@
             </a:solidFill>
             <a:effectLst/>
             <a:uFillTx/>
-            <a:latin typeface="Helvetica Neue Medium"/>
-            <a:ea typeface="Helvetica Neue Medium"/>
-            <a:cs typeface="Helvetica Neue Medium"/>
-            <a:sym typeface="Helvetica Neue Medium"/>
+            <a:latin typeface="+mj-lt"/>
+            <a:ea typeface="+mj-ea"/>
+            <a:cs typeface="+mj-cs"/>
+            <a:sym typeface="Helvetica"/>
           </a:defRPr>
         </a:defPPr>
         <a:lvl1pPr marL="0" marR="0" indent="0" algn="l" defTabSz="914400" rtl="0" fontAlgn="auto" latinLnBrk="1" hangingPunct="0">
@@ -5264,10 +5458,10 @@
             </a:solidFill>
             <a:effectLst/>
             <a:uFillTx/>
-            <a:latin typeface="Helvetica Neue Medium"/>
-            <a:ea typeface="Helvetica Neue Medium"/>
-            <a:cs typeface="Helvetica Neue Medium"/>
-            <a:sym typeface="Helvetica Neue Medium"/>
+            <a:latin typeface="+mj-lt"/>
+            <a:ea typeface="+mj-ea"/>
+            <a:cs typeface="+mj-cs"/>
+            <a:sym typeface="Helvetica"/>
           </a:defRPr>
         </a:defPPr>
         <a:lvl1pPr marL="0" marR="0" indent="0" algn="l" defTabSz="914400" rtl="0" fontAlgn="auto" latinLnBrk="1" hangingPunct="0">
@@ -5559,14 +5753,14 @@
     </a:clrScheme>
     <a:fontScheme name="White">
       <a:majorFont>
+        <a:latin typeface="Helvetica"/>
+        <a:ea typeface="Helvetica"/>
+        <a:cs typeface="Helvetica"/>
+      </a:majorFont>
+      <a:minorFont>
         <a:latin typeface="Helvetica Neue"/>
         <a:ea typeface="Helvetica Neue"/>
         <a:cs typeface="Helvetica Neue"/>
-      </a:majorFont>
-      <a:minorFont>
-        <a:latin typeface="Helvetica"/>
-        <a:ea typeface="Helvetica"/>
-        <a:cs typeface="Helvetica"/>
       </a:minorFont>
     </a:fontScheme>
     <a:fmtScheme name="White">
@@ -5747,10 +5941,10 @@
             </a:solidFill>
             <a:effectLst/>
             <a:uFillTx/>
-            <a:latin typeface="Helvetica Neue Medium"/>
-            <a:ea typeface="Helvetica Neue Medium"/>
-            <a:cs typeface="Helvetica Neue Medium"/>
-            <a:sym typeface="Helvetica Neue Medium"/>
+            <a:latin typeface="+mj-lt"/>
+            <a:ea typeface="+mj-ea"/>
+            <a:cs typeface="+mj-cs"/>
+            <a:sym typeface="Helvetica"/>
           </a:defRPr>
         </a:defPPr>
         <a:lvl1pPr marL="0" marR="0" indent="0" algn="l" defTabSz="914400" rtl="0" fontAlgn="auto" latinLnBrk="1" hangingPunct="0">
@@ -6318,10 +6512,10 @@
             </a:solidFill>
             <a:effectLst/>
             <a:uFillTx/>
-            <a:latin typeface="Helvetica Neue Medium"/>
-            <a:ea typeface="Helvetica Neue Medium"/>
-            <a:cs typeface="Helvetica Neue Medium"/>
-            <a:sym typeface="Helvetica Neue Medium"/>
+            <a:latin typeface="+mj-lt"/>
+            <a:ea typeface="+mj-ea"/>
+            <a:cs typeface="+mj-cs"/>
+            <a:sym typeface="Helvetica"/>
           </a:defRPr>
         </a:defPPr>
         <a:lvl1pPr marL="0" marR="0" indent="0" algn="l" defTabSz="914400" rtl="0" fontAlgn="auto" latinLnBrk="1" hangingPunct="0">

--- a/lib/pptx/test/test11.pptx
+++ b/lib/pptx/test/test11.pptx
@@ -15,6 +15,7 @@
     <p:sldId id="260" r:id="rId12"/>
     <p:sldId id="261" r:id="rId13"/>
     <p:sldId id="262" r:id="rId14"/>
+    <p:sldId id="263" r:id="rId15"/>
   </p:sldIdLst>
   <p:sldSz cx="24384000" cy="13716000"/>
   <p:notesSz cx="6858000" cy="9144000"/>
@@ -4256,6 +4257,391 @@
                 <a:gridCol w="2381250"/>
                 <a:gridCol w="2381250"/>
                 <a:gridCol w="2381250"/>
+                <a:gridCol w="2381250"/>
+              </a:tblGrid>
+              <a:tr h="1859279">
+                <a:tc>
+                  <a:txBody>
+                    <a:bodyPr/>
+                    <a:lstStyle/>
+                    <a:p>
+                      <a:pPr defTabSz="914400">
+                        <a:defRPr sz="1800"/>
+                      </a:pPr>
+                      <a:r>
+                        <a:rPr sz="3200">
+                          <a:sym typeface="Helvetica"/>
+                        </a:rPr>
+                        <a:t>h</a:t>
+                      </a:r>
+                    </a:p>
+                  </a:txBody>
+                  <a:tcPr marL="50800" marR="50800" marT="50800" marB="50800" anchor="ctr" anchorCtr="0" horzOverflow="overflow"/>
+                </a:tc>
+                <a:tc>
+                  <a:txBody>
+                    <a:bodyPr/>
+                    <a:lstStyle/>
+                    <a:p>
+                      <a:pPr defTabSz="914400">
+                        <a:defRPr sz="1800"/>
+                      </a:pPr>
+                      <a:r>
+                        <a:rPr sz="3200">
+                          <a:sym typeface="Helvetica"/>
+                        </a:rPr>
+                        <a:t>b</a:t>
+                      </a:r>
+                    </a:p>
+                  </a:txBody>
+                  <a:tcPr marL="50800" marR="50800" marT="50800" marB="50800" anchor="ctr" anchorCtr="0" horzOverflow="overflow"/>
+                </a:tc>
+                <a:tc>
+                  <a:txBody>
+                    <a:bodyPr/>
+                    <a:lstStyle/>
+                    <a:p>
+                      <a:pPr defTabSz="914400">
+                        <a:defRPr sz="1800"/>
+                      </a:pPr>
+                      <a:r>
+                        <a:rPr sz="3200">
+                          <a:sym typeface="Helvetica"/>
+                        </a:rPr>
+                        <a:t>c</a:t>
+                      </a:r>
+                    </a:p>
+                  </a:txBody>
+                  <a:tcPr marL="50800" marR="50800" marT="50800" marB="50800" anchor="ctr" anchorCtr="0" horzOverflow="overflow"/>
+                </a:tc>
+                <a:tc>
+                  <a:txBody>
+                    <a:bodyPr/>
+                    <a:lstStyle/>
+                    <a:p>
+                      <a:pPr defTabSz="914400">
+                        <a:defRPr sz="1800"/>
+                      </a:pPr>
+                      <a:r>
+                        <a:rPr sz="3200">
+                          <a:sym typeface="Helvetica"/>
+                        </a:rPr>
+                        <a:t>d</a:t>
+                      </a:r>
+                    </a:p>
+                  </a:txBody>
+                  <a:tcPr marL="50800" marR="50800" marT="50800" marB="50800" anchor="ctr" anchorCtr="0" horzOverflow="overflow"/>
+                </a:tc>
+                <a:tc>
+                  <a:txBody>
+                    <a:bodyPr/>
+                    <a:lstStyle/>
+                    <a:p>
+                      <a:pPr defTabSz="914400">
+                        <a:defRPr sz="1800"/>
+                      </a:pPr>
+                      <a:r>
+                        <a:rPr sz="3200">
+                          <a:sym typeface="Helvetica"/>
+                        </a:rPr>
+                        <a:t>e</a:t>
+                      </a:r>
+                    </a:p>
+                  </a:txBody>
+                  <a:tcPr marL="50800" marR="50800" marT="50800" marB="50800" anchor="ctr" anchorCtr="0" horzOverflow="overflow"/>
+                </a:tc>
+              </a:tr>
+              <a:tr h="1859279">
+                <a:tc>
+                  <a:txBody>
+                    <a:bodyPr/>
+                    <a:lstStyle/>
+                    <a:p>
+                      <a:pPr defTabSz="914400">
+                        <a:defRPr sz="1800"/>
+                      </a:pPr>
+                      <a:r>
+                        <a:rPr sz="3200">
+                          <a:sym typeface="Helvetica"/>
+                        </a:rPr>
+                        <a:t>1</a:t>
+                      </a:r>
+                    </a:p>
+                  </a:txBody>
+                  <a:tcPr marL="50800" marR="50800" marT="50800" marB="50800" anchor="ctr" anchorCtr="0" horzOverflow="overflow"/>
+                </a:tc>
+                <a:tc>
+                  <a:txBody>
+                    <a:bodyPr/>
+                    <a:lstStyle/>
+                    <a:p>
+                      <a:pPr defTabSz="914400">
+                        <a:defRPr sz="1800"/>
+                      </a:pPr>
+                      <a:r>
+                        <a:rPr sz="3200">
+                          <a:sym typeface="Helvetica"/>
+                        </a:rPr>
+                        <a:t>2</a:t>
+                      </a:r>
+                    </a:p>
+                  </a:txBody>
+                  <a:tcPr marL="50800" marR="50800" marT="50800" marB="50800" anchor="ctr" anchorCtr="0" horzOverflow="overflow"/>
+                </a:tc>
+                <a:tc>
+                  <a:txBody>
+                    <a:bodyPr/>
+                    <a:lstStyle/>
+                    <a:p>
+                      <a:pPr defTabSz="914400">
+                        <a:defRPr sz="1800"/>
+                      </a:pPr>
+                      <a:r>
+                        <a:rPr sz="3200">
+                          <a:sym typeface="Helvetica"/>
+                        </a:rPr>
+                        <a:t>3</a:t>
+                      </a:r>
+                    </a:p>
+                  </a:txBody>
+                  <a:tcPr marL="50800" marR="50800" marT="50800" marB="50800" anchor="ctr" anchorCtr="0" horzOverflow="overflow"/>
+                </a:tc>
+                <a:tc>
+                  <a:txBody>
+                    <a:bodyPr/>
+                    <a:lstStyle/>
+                    <a:p>
+                      <a:pPr defTabSz="914400">
+                        <a:defRPr sz="1800"/>
+                      </a:pPr>
+                      <a:r>
+                        <a:rPr sz="3200">
+                          <a:sym typeface="Helvetica"/>
+                        </a:rPr>
+                        <a:t>4</a:t>
+                      </a:r>
+                    </a:p>
+                  </a:txBody>
+                  <a:tcPr marL="50800" marR="50800" marT="50800" marB="50800" anchor="ctr" anchorCtr="0" horzOverflow="overflow"/>
+                </a:tc>
+                <a:tc>
+                  <a:txBody>
+                    <a:bodyPr/>
+                    <a:lstStyle/>
+                    <a:p>
+                      <a:pPr defTabSz="914400">
+                        <a:defRPr sz="1800"/>
+                      </a:pPr>
+                      <a:r>
+                        <a:rPr sz="3200">
+                          <a:sym typeface="Helvetica"/>
+                        </a:rPr>
+                        <a:t>5</a:t>
+                      </a:r>
+                    </a:p>
+                  </a:txBody>
+                  <a:tcPr marL="50800" marR="50800" marT="50800" marB="50800" anchor="ctr" anchorCtr="0" horzOverflow="overflow"/>
+                </a:tc>
+              </a:tr>
+              <a:tr h="1859279">
+                <a:tc>
+                  <a:txBody>
+                    <a:bodyPr/>
+                    <a:lstStyle/>
+                    <a:p>
+                      <a:pPr defTabSz="914400">
+                        <a:defRPr sz="1800"/>
+                      </a:pPr>
+                      <a:r>
+                        <a:rPr sz="3200">
+                          <a:sym typeface="Helvetica"/>
+                        </a:rPr>
+                        <a:t>4</a:t>
+                      </a:r>
+                    </a:p>
+                  </a:txBody>
+                  <a:tcPr marL="50800" marR="50800" marT="50800" marB="50800" anchor="ctr" anchorCtr="0" horzOverflow="overflow"/>
+                </a:tc>
+                <a:tc>
+                  <a:txBody>
+                    <a:bodyPr/>
+                    <a:lstStyle/>
+                    <a:p>
+                      <a:pPr defTabSz="914400">
+                        <a:defRPr sz="1800"/>
+                      </a:pPr>
+                      <a:r>
+                        <a:rPr sz="3200">
+                          <a:sym typeface="Helvetica"/>
+                        </a:rPr>
+                        <a:t>5</a:t>
+                      </a:r>
+                    </a:p>
+                  </a:txBody>
+                  <a:tcPr marL="50800" marR="50800" marT="50800" marB="50800" anchor="ctr" anchorCtr="0" horzOverflow="overflow"/>
+                </a:tc>
+                <a:tc>
+                  <a:txBody>
+                    <a:bodyPr/>
+                    <a:lstStyle/>
+                    <a:p>
+                      <a:pPr defTabSz="914400">
+                        <a:defRPr sz="1800"/>
+                      </a:pPr>
+                      <a:r>
+                        <a:rPr sz="3200">
+                          <a:sym typeface="Helvetica"/>
+                        </a:rPr>
+                        <a:t>6</a:t>
+                      </a:r>
+                    </a:p>
+                  </a:txBody>
+                  <a:tcPr marL="50800" marR="50800" marT="50800" marB="50800" anchor="ctr" anchorCtr="0" horzOverflow="overflow"/>
+                </a:tc>
+                <a:tc>
+                  <a:txBody>
+                    <a:bodyPr/>
+                    <a:lstStyle/>
+                    <a:p>
+                      <a:pPr defTabSz="914400">
+                        <a:defRPr sz="1800"/>
+                      </a:pPr>
+                      <a:r>
+                        <a:rPr sz="3200">
+                          <a:sym typeface="Helvetica"/>
+                        </a:rPr>
+                        <a:t>7</a:t>
+                      </a:r>
+                    </a:p>
+                  </a:txBody>
+                  <a:tcPr marL="50800" marR="50800" marT="50800" marB="50800" anchor="ctr" anchorCtr="0" horzOverflow="overflow"/>
+                </a:tc>
+                <a:tc>
+                  <a:txBody>
+                    <a:bodyPr/>
+                    <a:lstStyle/>
+                    <a:p>
+                      <a:pPr defTabSz="914400">
+                        <a:defRPr sz="1800"/>
+                      </a:pPr>
+                      <a:r>
+                        <a:rPr sz="3200">
+                          <a:sym typeface="Helvetica"/>
+                        </a:rPr>
+                        <a:t>8</a:t>
+                      </a:r>
+                    </a:p>
+                  </a:txBody>
+                  <a:tcPr marL="50800" marR="50800" marT="50800" marB="50800" anchor="ctr" anchorCtr="0" horzOverflow="overflow"/>
+                </a:tc>
+              </a:tr>
+            </a:tbl>
+          </a:graphicData>
+        </a:graphic>
+      </p:graphicFrame>
+    </p:spTree>
+  </p:cSld>
+  <p:clrMapOvr>
+    <a:masterClrMapping/>
+  </p:clrMapOvr>
+  <p:transition xmlns:p14="http://schemas.microsoft.com/office/powerpoint/2010/main" spd="med" advClick="1"/>
+</p:sld>
+</file>
+
+<file path=ppt/slides/slide6.xml><?xml version="1.0" encoding="utf-8"?>
+<p:sld xmlns:a="http://schemas.openxmlformats.org/drawingml/2006/main" xmlns:r="http://schemas.openxmlformats.org/officeDocument/2006/relationships" xmlns:p="http://schemas.openxmlformats.org/presentationml/2006/main" xmlns:m="http://schemas.openxmlformats.org/officeDocument/2006/math" xmlns:a14="http://schemas.microsoft.com/office/drawing/2010/main" showMasterSp="1" showMasterPhAnim="1">
+  <p:cSld>
+    <p:spTree>
+      <p:nvGrpSpPr>
+        <p:cNvPr id="1" name=""/>
+        <p:cNvGrpSpPr/>
+        <p:nvPr/>
+      </p:nvGrpSpPr>
+      <p:grpSpPr>
+        <a:xfrm>
+          <a:off x="0" y="0"/>
+          <a:ext cx="0" cy="0"/>
+          <a:chOff x="0" y="0"/>
+          <a:chExt cx="0" cy="0"/>
+        </a:xfrm>
+      </p:grpSpPr>
+      <p:sp>
+        <p:nvSpPr>
+          <p:cNvPr id="119" name="Test"/>
+          <p:cNvSpPr txBox="1"/>
+          <p:nvPr>
+            <p:ph type="ctrTitle"/>
+          </p:nvPr>
+        </p:nvSpPr>
+        <p:spPr>
+          <a:xfrm>
+            <a:off x="4300180" y="3686186"/>
+            <a:ext cx="15936009" cy="2201308"/>
+          </a:xfrm>
+          <a:prstGeom prst="rect">
+            <a:avLst/>
+          </a:prstGeom>
+        </p:spPr>
+        <p:txBody>
+          <a:bodyPr/>
+          <a:lstStyle/>
+          <a:p>
+            <a:pPr/>
+            <a:r>
+              <a:t/>
+            </a:r>
+          </a:p>
+        </p:txBody>
+      </p:sp>
+      <p:sp>
+        <p:nvSpPr>
+          <p:cNvPr id="120" name="It"/>
+          <p:cNvSpPr txBox="1"/>
+          <p:nvPr>
+            <p:ph type="subTitle" sz="quarter" idx="1"/>
+          </p:nvPr>
+        </p:nvSpPr>
+        <p:spPr>
+          <a:xfrm>
+            <a:off x="3798637" y="7744857"/>
+            <a:ext cx="16786726" cy="1183623"/>
+          </a:xfrm>
+          <a:prstGeom prst="rect">
+            <a:avLst/>
+          </a:prstGeom>
+        </p:spPr>
+        <p:txBody>
+          <a:bodyPr/>
+          <a:lstStyle/>
+          <a:p>
+            <a:pPr/>
+            <a:r>
+              <a:t/>
+            </a:r>
+          </a:p>
+        </p:txBody>
+      </p:sp>
+      <p:graphicFrame>
+        <p:nvGraphicFramePr>
+          <p:cNvPr id="123" name="Table"/>
+          <p:cNvGraphicFramePr/>
+          <p:nvPr/>
+        </p:nvGraphicFramePr>
+        <p:xfrm>
+          <a:off x="7978809" y="2955375"/>
+          <a:ext cx="9525001" cy="9296401"/>
+        </p:xfrm>
+        <a:graphic xmlns:a="http://schemas.openxmlformats.org/drawingml/2006/main">
+          <a:graphicData uri="http://schemas.openxmlformats.org/drawingml/2006/table">
+            <a:tbl>
+              <a:tblPr firstCol="0" firstRow="1" lastCol="0" lastRow="0" bandCol="0" bandRow="1" rtl="0">
+                <a:tableStyleId>{4C3C2611-4C71-4FC5-86AE-919BDF0F9419}</a:tableStyleId>
+              </a:tblPr>
+              <a:tblGrid>
+                <a:gridCol w="2381250"/>
+                <a:gridCol w="2381250"/>
+                <a:gridCol w="2381250"/>
+                <a:gridCol w="2381250"/>
               </a:tblGrid>
               <a:tr h="1859279">
                 <a:tc>
@@ -4492,7 +4878,7 @@
 </p:sld>
 </file>
 
-<file path=ppt/slides/slide6.xml><?xml version="1.0" encoding="utf-8"?>
+<file path=ppt/slides/slide7.xml><?xml version="1.0" encoding="utf-8"?>
 <p:sld xmlns:a="http://schemas.openxmlformats.org/drawingml/2006/main" xmlns:r="http://schemas.openxmlformats.org/officeDocument/2006/relationships" xmlns:p="http://schemas.openxmlformats.org/presentationml/2006/main" xmlns:m="http://schemas.openxmlformats.org/officeDocument/2006/math" xmlns:a14="http://schemas.microsoft.com/office/drawing/2010/main" showMasterSp="1" showMasterPhAnim="1">
   <p:cSld>
     <p:spTree>
@@ -4565,6 +4951,144 @@
           </a:p>
         </p:txBody>
       </p:sp>
+      <p:graphicFrame>
+        <p:nvGraphicFramePr>
+          <p:cNvPr id="123" name="Table"/>
+          <p:cNvGraphicFramePr/>
+          <p:nvPr/>
+        </p:nvGraphicFramePr>
+        <p:xfrm>
+          <a:off x="7978809" y="2955375"/>
+          <a:ext cx="9525001" cy="9296401"/>
+        </p:xfrm>
+        <a:graphic xmlns:a="http://schemas.openxmlformats.org/drawingml/2006/main">
+          <a:graphicData uri="http://schemas.openxmlformats.org/drawingml/2006/table">
+            <a:tbl>
+              <a:tblPr firstCol="0" firstRow="1" lastCol="0" lastRow="0" bandCol="0" bandRow="1" rtl="0">
+                <a:tableStyleId>{4C3C2611-4C71-4FC5-86AE-919BDF0F9419}</a:tableStyleId>
+              </a:tblPr>
+              <a:tblGrid>
+                <a:gridCol w="2381250"/>
+                <a:gridCol w="2381250"/>
+              </a:tblGrid>
+              <a:tr h="1859279">
+                <a:tc>
+                  <a:txBody>
+                    <a:bodyPr/>
+                    <a:lstStyle/>
+                    <a:p>
+                      <a:pPr defTabSz="914400">
+                        <a:defRPr sz="1800"/>
+                      </a:pPr>
+                      <a:r>
+                        <a:rPr sz="3200">
+                          <a:sym typeface="Helvetica"/>
+                        </a:rPr>
+                        <a:t>1</a:t>
+                      </a:r>
+                    </a:p>
+                  </a:txBody>
+                  <a:tcPr marL="50800" marR="50800" marT="50800" marB="50800" anchor="ctr" anchorCtr="0" horzOverflow="overflow"/>
+                </a:tc>
+                <a:tc>
+                  <a:txBody>
+                    <a:bodyPr/>
+                    <a:lstStyle/>
+                    <a:p>
+                      <a:pPr defTabSz="914400">
+                        <a:defRPr sz="1800"/>
+                      </a:pPr>
+                      <a:r>
+                        <a:rPr sz="3200">
+                          <a:sym typeface="Helvetica"/>
+                        </a:rPr>
+                        <a:t>2</a:t>
+                      </a:r>
+                    </a:p>
+                  </a:txBody>
+                  <a:tcPr marL="50800" marR="50800" marT="50800" marB="50800" anchor="ctr" anchorCtr="0" horzOverflow="overflow"/>
+                </a:tc>
+              </a:tr>
+              <a:tr h="1859279">
+                <a:tc>
+                  <a:txBody>
+                    <a:bodyPr/>
+                    <a:lstStyle/>
+                    <a:p>
+                      <a:pPr defTabSz="914400">
+                        <a:defRPr sz="1800"/>
+                      </a:pPr>
+                      <a:r>
+                        <a:rPr sz="3200">
+                          <a:sym typeface="Helvetica"/>
+                        </a:rPr>
+                        <a:t>5</a:t>
+                      </a:r>
+                    </a:p>
+                  </a:txBody>
+                  <a:tcPr marL="50800" marR="50800" marT="50800" marB="50800" anchor="ctr" anchorCtr="0" horzOverflow="overflow"/>
+                </a:tc>
+                <a:tc>
+                  <a:txBody>
+                    <a:bodyPr/>
+                    <a:lstStyle/>
+                    <a:p>
+                      <a:pPr defTabSz="914400">
+                        <a:defRPr sz="1800"/>
+                      </a:pPr>
+                      <a:r>
+                        <a:rPr sz="3200">
+                          <a:sym typeface="Helvetica"/>
+                        </a:rPr>
+                        <a:t>6</a:t>
+                      </a:r>
+                    </a:p>
+                  </a:txBody>
+                  <a:tcPr marL="50800" marR="50800" marT="50800" marB="50800" anchor="ctr" anchorCtr="0" horzOverflow="overflow"/>
+                </a:tc>
+              </a:tr>
+              <a:tr h="1859279">
+                <a:tc>
+                  <a:txBody>
+                    <a:bodyPr/>
+                    <a:lstStyle/>
+                    <a:p>
+                      <a:pPr defTabSz="914400">
+                        <a:defRPr sz="1800"/>
+                      </a:pPr>
+                      <a:r>
+                        <a:rPr sz="3200">
+                          <a:sym typeface="Helvetica"/>
+                        </a:rPr>
+                        <a:t>9</a:t>
+                      </a:r>
+                    </a:p>
+                  </a:txBody>
+                  <a:tcPr marL="50800" marR="50800" marT="50800" marB="50800" anchor="ctr" anchorCtr="0" horzOverflow="overflow"/>
+                </a:tc>
+                <a:tc>
+                  <a:txBody>
+                    <a:bodyPr/>
+                    <a:lstStyle/>
+                    <a:p>
+                      <a:pPr defTabSz="914400">
+                        <a:defRPr sz="1800"/>
+                      </a:pPr>
+                      <a:r>
+                        <a:rPr sz="3200">
+                          <a:sym typeface="Helvetica"/>
+                        </a:rPr>
+                        <a:t>10</a:t>
+                      </a:r>
+                    </a:p>
+                  </a:txBody>
+                  <a:tcPr marL="50800" marR="50800" marT="50800" marB="50800" anchor="ctr" anchorCtr="0" horzOverflow="overflow"/>
+                </a:tc>
+              </a:tr>
+            </a:tbl>
+          </a:graphicData>
+        </a:graphic>
+      </p:graphicFrame>
     </p:spTree>
   </p:cSld>
   <p:clrMapOvr>
@@ -4574,7 +5098,7 @@
 </p:sld>
 </file>
 
-<file path=ppt/slides/slide7.xml><?xml version="1.0" encoding="utf-8"?>
+<file path=ppt/slides/slide8.xml><?xml version="1.0" encoding="utf-8"?>
 <p:sld xmlns:a="http://schemas.openxmlformats.org/drawingml/2006/main" xmlns:r="http://schemas.openxmlformats.org/officeDocument/2006/relationships" xmlns:p="http://schemas.openxmlformats.org/presentationml/2006/main" xmlns:m="http://schemas.openxmlformats.org/officeDocument/2006/math" xmlns:a14="http://schemas.microsoft.com/office/drawing/2010/main" showMasterSp="1" showMasterPhAnim="1">
   <p:cSld>
     <p:spTree>

--- a/lib/pptx/test/test11.pptx
+++ b/lib/pptx/test/test11.pptx
@@ -16,6 +16,7 @@
     <p:sldId id="261" r:id="rId13"/>
     <p:sldId id="262" r:id="rId14"/>
     <p:sldId id="263" r:id="rId15"/>
+    <p:sldId id="264" r:id="rId16"/>
   </p:sldIdLst>
   <p:sldSz cx="24384000" cy="13716000"/>
   <p:notesSz cx="6858000" cy="9144000"/>
@@ -752,6 +753,513 @@
     <a:effectLst/>
   </c:spPr>
   <c:externalData r:id="rId1">
+    <c:autoUpdate val="0"/>
+  </c:externalData>
+</c:chartSpace>
+</file>
+
+<file path=ppt/charts/chart2.xml><?xml version="1.0" encoding="utf-8"?>
+<c:chartSpace xmlns:c="http://schemas.openxmlformats.org/drawingml/2006/chart" xmlns:a="http://schemas.openxmlformats.org/drawingml/2006/main" xmlns:r="http://schemas.openxmlformats.org/officeDocument/2006/relationships">
+  <c:date1904 val="1"/>
+  <c:roundedCorners val="0"/>
+  <c:chart>
+    <c:title>
+      <c:tx>
+        <c:rich>
+          <a:bodyPr rot="0"/>
+          <a:lstStyle/>
+          <a:p>
+            <a:pPr>
+              <a:defRPr b="0" i="0" strike="noStrike" sz="5000" u="none">
+                <a:solidFill>
+                  <a:srgbClr val="000000"/>
+                </a:solidFill>
+                <a:latin typeface="Helvetica Neue"/>
+              </a:defRPr>
+            </a:pPr>
+            <a:r>
+              <a:rPr b="0" i="0" strike="noStrike" sz="5000" u="none">
+                <a:solidFill>
+                  <a:srgbClr val="000000"/>
+                </a:solidFill>
+                <a:latin typeface="Helvetica Neue"/>
+              </a:rPr>
+              <a:t>test chart</a:t>
+            </a:r>
+          </a:p>
+        </c:rich>
+      </c:tx>
+      <c:layout>
+        <c:manualLayout>
+          <c:xMode val="edge"/>
+          <c:yMode val="edge"/>
+          <c:x val="0.326207"/>
+          <c:y val="0"/>
+          <c:w val="0.0955063"/>
+          <c:h val="0.142635"/>
+        </c:manualLayout>
+      </c:layout>
+      <c:overlay val="1"/>
+      <c:spPr>
+        <a:noFill/>
+        <a:effectLst/>
+      </c:spPr>
+    </c:title>
+    <c:autoTitleDeleted val="1"/>
+    <c:plotArea>
+      <c:layout>
+        <c:manualLayout>
+          <c:layoutTarget val="inner"/>
+          <c:xMode val="edge"/>
+          <c:yMode val="edge"/>
+          <c:x val="0.0620269"/>
+          <c:y val="0.142635"/>
+          <c:w val="0.656014"/>
+          <c:h val="0.764021"/>
+        </c:manualLayout>
+      </c:layout>
+      <c:lineChart>
+        <c:grouping val="standard"/>
+        <c:varyColors val="0"/>
+        <c:ser>
+          <c:idx>1</c:idx>
+          <c:order>1</c:order>
+          <c:spPr>
+            <a:noFill/>
+            <a:ln w="76200" cap="flat">
+              <a:solidFill>
+                <a:srgbClr val="56C1FF"/>
+              </a:solidFill>
+              <a:prstDash val="solid"/>
+              <a:miter lim="400000"/>
+            </a:ln>
+            <a:effectLst/>
+          </c:spPr>
+          <c:marker>
+            <c:symbol val="none"/>
+            <c:size val="6"/>
+            <c:spPr>
+              <a:noFill/>
+              <a:ln w="76200" cap="flat">
+                <a:solidFill>
+                  <a:srgbClr val="56C1FF"/>
+                </a:solidFill>
+                <a:prstDash val="solid"/>
+                <a:miter lim="400000"/>
+              </a:ln>
+              <a:effectLst/>
+            </c:spPr>
+          </c:marker>
+          <c:dLbls>
+            <c:numFmt formatCode="#,##0" sourceLinked="0"/>
+            <c:txPr>
+              <a:bodyPr/>
+              <a:lstStyle/>
+              <a:p>
+                <a:pPr>
+                  <a:defRPr b="0" i="0" strike="noStrike" sz="3600" u="none">
+                    <a:solidFill>
+                      <a:srgbClr val="000000"/>
+                    </a:solidFill>
+                    <a:latin typeface="Helvetica Neue"/>
+                  </a:defRPr>
+                </a:pPr>
+              </a:p>
+            </c:txPr>
+            <c:dLblPos val="t"/>
+            <c:showLegendKey val="0"/>
+            <c:showVal val="0"/>
+            <c:showCatName val="0"/>
+            <c:showSerName val="0"/>
+            <c:showPercent val="0"/>
+            <c:showBubbleSize val="0"/>
+            <c:showLeaderLines val="0"/>
+          </c:dLbls>
+          <c:cat>
+            <c:strRef>
+              <c:f>sheet1!$A$1:$C$1</c:f>
+              <c:strCache>
+                <c:ptCount val="4"/>
+                <c:pt idx="0">
+                  <c:v>April</c:v>
+                </c:pt>
+                <c:pt idx="1">
+                  <c:v>May</c:v>
+                </c:pt>
+                <c:pt idx="2">
+                  <c:v>June</c:v>
+                </c:pt>
+                <c:pt idx="3">
+                  <c:v>July</c:v>
+                </c:pt>
+              </c:strCache>
+            </c:strRef>
+          </c:cat>
+          <c:val>
+            <c:numRef>
+              <c:f>sheet1!$A$2:$C$2</c:f>
+              <c:numCache>
+                <c:ptCount val="4"/>
+                <c:pt idx="0">
+                  <c:v>1.000000</c:v>
+                </c:pt>
+                <c:pt idx="1">
+                  <c:v>2.000000</c:v>
+                </c:pt>
+                <c:pt idx="2">
+                  <c:v>3.000000</c:v>
+                </c:pt>
+                <c:pt idx="3">
+                  <c:v>4.000000</c:v>
+                </c:pt>
+              </c:numCache>
+            </c:numRef>
+          </c:val>
+          <c:smooth val="0"/>
+        </c:ser>
+        <c:ser>
+          <c:idx>2</c:idx>
+          <c:order>2</c:order>
+          <c:spPr>
+            <a:noFill/>
+            <a:ln w="76200" cap="flat">
+              <a:solidFill>
+                <a:srgbClr val="56C1FF"/>
+              </a:solidFill>
+              <a:prstDash val="solid"/>
+              <a:miter lim="400000"/>
+            </a:ln>
+            <a:effectLst/>
+          </c:spPr>
+          <c:marker>
+            <c:symbol val="none"/>
+            <c:size val="6"/>
+            <c:spPr>
+              <a:noFill/>
+              <a:ln w="76200" cap="flat">
+                <a:solidFill>
+                  <a:srgbClr val="56C1FF"/>
+                </a:solidFill>
+                <a:prstDash val="solid"/>
+                <a:miter lim="400000"/>
+              </a:ln>
+              <a:effectLst/>
+            </c:spPr>
+          </c:marker>
+          <c:dLbls>
+            <c:numFmt formatCode="#,##0" sourceLinked="0"/>
+            <c:txPr>
+              <a:bodyPr/>
+              <a:lstStyle/>
+              <a:p>
+                <a:pPr>
+                  <a:defRPr b="0" i="0" strike="noStrike" sz="3600" u="none">
+                    <a:solidFill>
+                      <a:srgbClr val="000000"/>
+                    </a:solidFill>
+                    <a:latin typeface="Helvetica Neue"/>
+                  </a:defRPr>
+                </a:pPr>
+              </a:p>
+            </c:txPr>
+            <c:dLblPos val="t"/>
+            <c:showLegendKey val="0"/>
+            <c:showVal val="0"/>
+            <c:showCatName val="0"/>
+            <c:showSerName val="0"/>
+            <c:showPercent val="0"/>
+            <c:showBubbleSize val="0"/>
+            <c:showLeaderLines val="0"/>
+          </c:dLbls>
+          <c:cat>
+            <c:strRef>
+              <c:f>sheet1!$A$1:$C$1</c:f>
+              <c:strCache>
+                <c:ptCount val="4"/>
+                <c:pt idx="0">
+                  <c:v>April</c:v>
+                </c:pt>
+                <c:pt idx="1">
+                  <c:v>May</c:v>
+                </c:pt>
+                <c:pt idx="2">
+                  <c:v>June</c:v>
+                </c:pt>
+                <c:pt idx="3">
+                  <c:v>July</c:v>
+                </c:pt>
+              </c:strCache>
+            </c:strRef>
+          </c:cat>
+          <c:val>
+            <c:numRef>
+              <c:f>sheet1!$A$3:$C$3</c:f>
+              <c:numCache>
+                <c:ptCount val="4"/>
+                <c:pt idx="0">
+                  <c:v>1.000000</c:v>
+                </c:pt>
+                <c:pt idx="1">
+                  <c:v>2.000000</c:v>
+                </c:pt>
+                <c:pt idx="2">
+                  <c:v>3.000000</c:v>
+                </c:pt>
+                <c:pt idx="3">
+                  <c:v>4.000000</c:v>
+                </c:pt>
+              </c:numCache>
+            </c:numRef>
+          </c:val>
+          <c:smooth val="0"/>
+        </c:ser>
+        <c:ser>
+          <c:idx>3</c:idx>
+          <c:order>3</c:order>
+          <c:spPr>
+            <a:noFill/>
+            <a:ln w="76200" cap="flat">
+              <a:solidFill>
+                <a:srgbClr val="56C1FF"/>
+              </a:solidFill>
+              <a:prstDash val="solid"/>
+              <a:miter lim="400000"/>
+            </a:ln>
+            <a:effectLst/>
+          </c:spPr>
+          <c:marker>
+            <c:symbol val="none"/>
+            <c:size val="6"/>
+            <c:spPr>
+              <a:noFill/>
+              <a:ln w="76200" cap="flat">
+                <a:solidFill>
+                  <a:srgbClr val="56C1FF"/>
+                </a:solidFill>
+                <a:prstDash val="solid"/>
+                <a:miter lim="400000"/>
+              </a:ln>
+              <a:effectLst/>
+            </c:spPr>
+          </c:marker>
+          <c:dLbls>
+            <c:numFmt formatCode="#,##0" sourceLinked="0"/>
+            <c:txPr>
+              <a:bodyPr/>
+              <a:lstStyle/>
+              <a:p>
+                <a:pPr>
+                  <a:defRPr b="0" i="0" strike="noStrike" sz="3600" u="none">
+                    <a:solidFill>
+                      <a:srgbClr val="000000"/>
+                    </a:solidFill>
+                    <a:latin typeface="Helvetica Neue"/>
+                  </a:defRPr>
+                </a:pPr>
+              </a:p>
+            </c:txPr>
+            <c:dLblPos val="t"/>
+            <c:showLegendKey val="0"/>
+            <c:showVal val="0"/>
+            <c:showCatName val="0"/>
+            <c:showSerName val="0"/>
+            <c:showPercent val="0"/>
+            <c:showBubbleSize val="0"/>
+            <c:showLeaderLines val="0"/>
+          </c:dLbls>
+          <c:cat>
+            <c:strRef>
+              <c:f>sheet1!$A$1:$C$1</c:f>
+              <c:strCache>
+                <c:ptCount val="4"/>
+                <c:pt idx="0">
+                  <c:v>April</c:v>
+                </c:pt>
+                <c:pt idx="1">
+                  <c:v>May</c:v>
+                </c:pt>
+                <c:pt idx="2">
+                  <c:v>June</c:v>
+                </c:pt>
+                <c:pt idx="3">
+                  <c:v>July</c:v>
+                </c:pt>
+              </c:strCache>
+            </c:strRef>
+          </c:cat>
+          <c:val>
+            <c:numRef>
+              <c:f>sheet1!$A$4:$C$4</c:f>
+              <c:numCache>
+                <c:ptCount val="4"/>
+                <c:pt idx="0">
+                  <c:v>1.000000</c:v>
+                </c:pt>
+                <c:pt idx="1">
+                  <c:v>2.000000</c:v>
+                </c:pt>
+                <c:pt idx="2">
+                  <c:v>3.000000</c:v>
+                </c:pt>
+                <c:pt idx="3">
+                  <c:v>4.000000</c:v>
+                </c:pt>
+              </c:numCache>
+            </c:numRef>
+          </c:val>
+          <c:smooth val="0"/>
+        </c:ser>
+        <c:marker val="1"/>
+        <c:axId val="2094734552"/>
+        <c:axId val="2094734553"/>
+      </c:lineChart>
+      <c:catAx>
+        <c:axId val="2094734552"/>
+        <c:scaling>
+          <c:orientation val="minMax"/>
+        </c:scaling>
+        <c:delete val="0"/>
+        <c:axPos val="b"/>
+        <c:numFmt formatCode="General" sourceLinked="0"/>
+        <c:majorTickMark val="none"/>
+        <c:minorTickMark val="none"/>
+        <c:tickLblPos val="low"/>
+        <c:spPr>
+          <a:ln w="12700" cap="flat">
+            <a:solidFill>
+              <a:srgbClr val="000000"/>
+            </a:solidFill>
+            <a:prstDash val="solid"/>
+            <a:miter lim="400000"/>
+          </a:ln>
+        </c:spPr>
+        <c:txPr>
+          <a:bodyPr rot="0"/>
+          <a:lstStyle/>
+          <a:p>
+            <a:pPr>
+              <a:defRPr b="0" i="0" strike="noStrike" sz="3200" u="none">
+                <a:solidFill>
+                  <a:srgbClr val="000000"/>
+                </a:solidFill>
+                <a:latin typeface="Helvetica Neue"/>
+              </a:defRPr>
+            </a:pPr>
+          </a:p>
+        </c:txPr>
+        <c:crossAx val="2094734553"/>
+        <c:crosses val="autoZero"/>
+        <c:auto val="1"/>
+        <c:lblAlgn val="ctr"/>
+        <c:noMultiLvlLbl val="1"/>
+      </c:catAx>
+      <c:valAx>
+        <c:axId val="2094734553"/>
+        <c:scaling>
+          <c:orientation val="minMax"/>
+        </c:scaling>
+        <c:delete val="0"/>
+        <c:axPos val="l"/>
+        <c:majorGridlines>
+          <c:spPr>
+            <a:ln w="12700" cap="flat">
+              <a:solidFill>
+                <a:srgbClr val="B8B8B8"/>
+              </a:solidFill>
+              <a:prstDash val="solid"/>
+              <a:miter lim="400000"/>
+            </a:ln>
+          </c:spPr>
+        </c:majorGridlines>
+        <c:numFmt formatCode="0" sourceLinked="0"/>
+        <c:majorTickMark val="none"/>
+        <c:minorTickMark val="none"/>
+        <c:tickLblPos val="nextTo"/>
+        <c:spPr>
+          <a:ln w="12700" cap="flat">
+            <a:solidFill>
+              <a:srgbClr val="000000"/>
+            </a:solidFill>
+            <a:prstDash val="solid"/>
+            <a:miter lim="400000"/>
+          </a:ln>
+        </c:spPr>
+        <c:txPr>
+          <a:bodyPr rot="0"/>
+          <a:lstStyle/>
+          <a:p>
+            <a:pPr>
+              <a:defRPr b="0" i="0" strike="noStrike" sz="3200" u="none">
+                <a:solidFill>
+                  <a:srgbClr val="000000"/>
+                </a:solidFill>
+                <a:latin typeface="Helvetica Neue"/>
+              </a:defRPr>
+            </a:pPr>
+          </a:p>
+        </c:txPr>
+        <c:crossAx val="2094734552"/>
+        <c:crosses val="autoZero"/>
+        <c:crossBetween val="midCat"/>
+        <c:majorUnit val="17.5"/>
+        <c:minorUnit val="8.75"/>
+      </c:valAx>
+      <c:spPr>
+        <a:noFill/>
+        <a:ln w="12700" cap="flat">
+          <a:noFill/>
+          <a:miter lim="400000"/>
+        </a:ln>
+        <a:effectLst/>
+      </c:spPr>
+    </c:plotArea>
+    <c:legend>
+      <c:legendPos val="r"/>
+      <c:layout>
+        <c:manualLayout>
+          <c:xMode val="edge"/>
+          <c:yMode val="edge"/>
+          <c:x val="0.74055"/>
+          <c:y val="0.459165"/>
+          <c:w val="0.25945"/>
+          <c:h val="0.155963"/>
+        </c:manualLayout>
+      </c:layout>
+      <c:overlay val="1"/>
+      <c:spPr>
+        <a:noFill/>
+        <a:ln w="12700" cap="flat">
+          <a:noFill/>
+          <a:miter lim="400000"/>
+        </a:ln>
+        <a:effectLst/>
+      </c:spPr>
+      <c:txPr>
+        <a:bodyPr rot="0"/>
+        <a:lstStyle/>
+        <a:p>
+          <a:pPr>
+            <a:defRPr b="0" i="0" strike="noStrike" sz="3800" u="none">
+              <a:solidFill>
+                <a:srgbClr val="000000"/>
+              </a:solidFill>
+              <a:latin typeface="Helvetica Neue"/>
+            </a:defRPr>
+          </a:pPr>
+        </a:p>
+      </c:txPr>
+    </c:legend>
+    <c:plotVisOnly val="1"/>
+    <c:dispBlanksAs val="gap"/>
+  </c:chart>
+  <c:spPr>
+    <a:noFill/>
+    <a:ln>
+      <a:noFill/>
+    </a:ln>
+    <a:effectLst/>
+  </c:spPr>
+  <c:externalData r:id="rId2">
     <c:autoUpdate val="0"/>
   </c:externalData>
 </c:chartSpace>
@@ -5171,6 +5679,104 @@
           </a:p>
         </p:txBody>
       </p:sp>
+      <p:graphicFrame>
+        <p:nvGraphicFramePr>
+          <p:cNvPr id="126" name="Title"/>
+          <p:cNvGraphicFramePr/>
+          <p:nvPr/>
+        </p:nvGraphicFramePr>
+        <p:xfrm>
+          <a:off x="7655456" y="3676638"/>
+          <a:ext cx="12433213" cy="8521322"/>
+        </p:xfrm>
+        <a:graphic xmlns:a="http://schemas.openxmlformats.org/drawingml/2006/main">
+          <a:graphicData uri="http://schemas.openxmlformats.org/drawingml/2006/chart">
+            <c:chart xmlns:c="http://schemas.openxmlformats.org/drawingml/2006/chart" r:id="rId2"/>
+          </a:graphicData>
+        </a:graphic>
+      </p:graphicFrame>
+    </p:spTree>
+  </p:cSld>
+  <p:clrMapOvr>
+    <a:masterClrMapping/>
+  </p:clrMapOvr>
+  <p:transition xmlns:p14="http://schemas.microsoft.com/office/powerpoint/2010/main" spd="med" advClick="1"/>
+</p:sld>
+</file>
+
+<file path=ppt/slides/slide9.xml><?xml version="1.0" encoding="utf-8"?>
+<p:sld xmlns:a="http://schemas.openxmlformats.org/drawingml/2006/main" xmlns:r="http://schemas.openxmlformats.org/officeDocument/2006/relationships" xmlns:p="http://schemas.openxmlformats.org/presentationml/2006/main" xmlns:m="http://schemas.openxmlformats.org/officeDocument/2006/math" xmlns:a14="http://schemas.microsoft.com/office/drawing/2010/main" showMasterSp="1" showMasterPhAnim="1">
+  <p:cSld>
+    <p:spTree>
+      <p:nvGrpSpPr>
+        <p:cNvPr id="1" name=""/>
+        <p:cNvGrpSpPr/>
+        <p:nvPr/>
+      </p:nvGrpSpPr>
+      <p:grpSpPr>
+        <a:xfrm>
+          <a:off x="0" y="0"/>
+          <a:ext cx="0" cy="0"/>
+          <a:chOff x="0" y="0"/>
+          <a:chExt cx="0" cy="0"/>
+        </a:xfrm>
+      </p:grpSpPr>
+      <p:sp>
+        <p:nvSpPr>
+          <p:cNvPr id="119" name="Test"/>
+          <p:cNvSpPr txBox="1"/>
+          <p:nvPr>
+            <p:ph type="ctrTitle"/>
+          </p:nvPr>
+        </p:nvSpPr>
+        <p:spPr>
+          <a:xfrm>
+            <a:off x="4300180" y="3686186"/>
+            <a:ext cx="15936009" cy="2201308"/>
+          </a:xfrm>
+          <a:prstGeom prst="rect">
+            <a:avLst/>
+          </a:prstGeom>
+        </p:spPr>
+        <p:txBody>
+          <a:bodyPr/>
+          <a:lstStyle/>
+          <a:p>
+            <a:pPr/>
+            <a:r>
+              <a:t/>
+            </a:r>
+          </a:p>
+        </p:txBody>
+      </p:sp>
+      <p:sp>
+        <p:nvSpPr>
+          <p:cNvPr id="120" name="It"/>
+          <p:cNvSpPr txBox="1"/>
+          <p:nvPr>
+            <p:ph type="subTitle" sz="quarter" idx="1"/>
+          </p:nvPr>
+        </p:nvSpPr>
+        <p:spPr>
+          <a:xfrm>
+            <a:off x="3798637" y="7744857"/>
+            <a:ext cx="16786726" cy="1183623"/>
+          </a:xfrm>
+          <a:prstGeom prst="rect">
+            <a:avLst/>
+          </a:prstGeom>
+        </p:spPr>
+        <p:txBody>
+          <a:bodyPr/>
+          <a:lstStyle/>
+          <a:p>
+            <a:pPr/>
+            <a:r>
+              <a:t/>
+            </a:r>
+          </a:p>
+        </p:txBody>
+      </p:sp>
     </p:spTree>
   </p:cSld>
   <p:clrMapOvr>

--- a/lib/pptx/test/test11.pptx
+++ b/lib/pptx/test/test11.pptx
@@ -778,13 +778,13 @@
               </a:defRPr>
             </a:pPr>
             <a:r>
-              <a:rPr b="0" i="0" strike="noStrike" sz="5000" u="none">
+              <a:rPr b="0" i="0" strike="noStrike" sz="3000" u="none">
                 <a:solidFill>
-                  <a:srgbClr val="000000"/>
+                  <a:srgbClr val="8ab4f8"/>
                 </a:solidFill>
                 <a:latin typeface="Helvetica Neue"/>
               </a:rPr>
-              <a:t>test chart</a:t>
+              <a:t>testChart line</a:t>
             </a:r>
           </a:p>
         </c:rich>
@@ -877,40 +877,46 @@
           </c:dLbls>
           <c:cat>
             <c:strRef>
-              <c:f>sheet1!$A$1:$C$1</c:f>
+              <c:f>chart2!$A$1:$E$1</c:f>
               <c:strCache>
-                <c:ptCount val="4"/>
+                <c:ptCount val="5"/>
                 <c:pt idx="0">
-                  <c:v>April</c:v>
+                  <c:v>h</c:v>
                 </c:pt>
                 <c:pt idx="1">
-                  <c:v>May</c:v>
+                  <c:v>b</c:v>
                 </c:pt>
                 <c:pt idx="2">
-                  <c:v>June</c:v>
+                  <c:v>c</c:v>
                 </c:pt>
                 <c:pt idx="3">
-                  <c:v>July</c:v>
+                  <c:v>d</c:v>
+                </c:pt>
+                <c:pt idx="4">
+                  <c:v>e</c:v>
                 </c:pt>
               </c:strCache>
             </c:strRef>
           </c:cat>
           <c:val>
             <c:numRef>
-              <c:f>sheet1!$A$2:$C$2</c:f>
+              <c:f>chart2!$A$2:$E$2</c:f>
               <c:numCache>
-                <c:ptCount val="4"/>
+                <c:ptCount val="5"/>
                 <c:pt idx="0">
-                  <c:v>1.000000</c:v>
+                  <c:v>1</c:v>
                 </c:pt>
                 <c:pt idx="1">
-                  <c:v>2.000000</c:v>
+                  <c:v>2</c:v>
                 </c:pt>
                 <c:pt idx="2">
-                  <c:v>3.000000</c:v>
+                  <c:v>3</c:v>
                 </c:pt>
                 <c:pt idx="3">
-                  <c:v>4.000000</c:v>
+                  <c:v>4</c:v>
+                </c:pt>
+                <c:pt idx="4">
+                  <c:v>5</c:v>
                 </c:pt>
               </c:numCache>
             </c:numRef>
@@ -973,136 +979,46 @@
           </c:dLbls>
           <c:cat>
             <c:strRef>
-              <c:f>sheet1!$A$1:$C$1</c:f>
+              <c:f>chart2!$A$1:$E$1</c:f>
               <c:strCache>
-                <c:ptCount val="4"/>
+                <c:ptCount val="5"/>
                 <c:pt idx="0">
-                  <c:v>April</c:v>
+                  <c:v>h</c:v>
                 </c:pt>
                 <c:pt idx="1">
-                  <c:v>May</c:v>
+                  <c:v>b</c:v>
                 </c:pt>
                 <c:pt idx="2">
-                  <c:v>June</c:v>
+                  <c:v>c</c:v>
                 </c:pt>
                 <c:pt idx="3">
-                  <c:v>July</c:v>
+                  <c:v>d</c:v>
+                </c:pt>
+                <c:pt idx="4">
+                  <c:v>e</c:v>
                 </c:pt>
               </c:strCache>
             </c:strRef>
           </c:cat>
           <c:val>
             <c:numRef>
-              <c:f>sheet1!$A$3:$C$3</c:f>
+              <c:f>chart2!$A$3:$E$3</c:f>
               <c:numCache>
-                <c:ptCount val="4"/>
+                <c:ptCount val="5"/>
                 <c:pt idx="0">
-                  <c:v>1.000000</c:v>
+                  <c:v>4</c:v>
                 </c:pt>
                 <c:pt idx="1">
-                  <c:v>2.000000</c:v>
+                  <c:v>5</c:v>
                 </c:pt>
                 <c:pt idx="2">
-                  <c:v>3.000000</c:v>
+                  <c:v>6</c:v>
                 </c:pt>
                 <c:pt idx="3">
-                  <c:v>4.000000</c:v>
+                  <c:v>7</c:v>
                 </c:pt>
-              </c:numCache>
-            </c:numRef>
-          </c:val>
-          <c:smooth val="0"/>
-        </c:ser>
-        <c:ser>
-          <c:idx>3</c:idx>
-          <c:order>3</c:order>
-          <c:spPr>
-            <a:noFill/>
-            <a:ln w="76200" cap="flat">
-              <a:solidFill>
-                <a:srgbClr val="56C1FF"/>
-              </a:solidFill>
-              <a:prstDash val="solid"/>
-              <a:miter lim="400000"/>
-            </a:ln>
-            <a:effectLst/>
-          </c:spPr>
-          <c:marker>
-            <c:symbol val="none"/>
-            <c:size val="6"/>
-            <c:spPr>
-              <a:noFill/>
-              <a:ln w="76200" cap="flat">
-                <a:solidFill>
-                  <a:srgbClr val="56C1FF"/>
-                </a:solidFill>
-                <a:prstDash val="solid"/>
-                <a:miter lim="400000"/>
-              </a:ln>
-              <a:effectLst/>
-            </c:spPr>
-          </c:marker>
-          <c:dLbls>
-            <c:numFmt formatCode="#,##0" sourceLinked="0"/>
-            <c:txPr>
-              <a:bodyPr/>
-              <a:lstStyle/>
-              <a:p>
-                <a:pPr>
-                  <a:defRPr b="0" i="0" strike="noStrike" sz="3600" u="none">
-                    <a:solidFill>
-                      <a:srgbClr val="000000"/>
-                    </a:solidFill>
-                    <a:latin typeface="Helvetica Neue"/>
-                  </a:defRPr>
-                </a:pPr>
-              </a:p>
-            </c:txPr>
-            <c:dLblPos val="t"/>
-            <c:showLegendKey val="0"/>
-            <c:showVal val="0"/>
-            <c:showCatName val="0"/>
-            <c:showSerName val="0"/>
-            <c:showPercent val="0"/>
-            <c:showBubbleSize val="0"/>
-            <c:showLeaderLines val="0"/>
-          </c:dLbls>
-          <c:cat>
-            <c:strRef>
-              <c:f>sheet1!$A$1:$C$1</c:f>
-              <c:strCache>
-                <c:ptCount val="4"/>
-                <c:pt idx="0">
-                  <c:v>April</c:v>
-                </c:pt>
-                <c:pt idx="1">
-                  <c:v>May</c:v>
-                </c:pt>
-                <c:pt idx="2">
-                  <c:v>June</c:v>
-                </c:pt>
-                <c:pt idx="3">
-                  <c:v>July</c:v>
-                </c:pt>
-              </c:strCache>
-            </c:strRef>
-          </c:cat>
-          <c:val>
-            <c:numRef>
-              <c:f>sheet1!$A$4:$C$4</c:f>
-              <c:numCache>
-                <c:ptCount val="4"/>
-                <c:pt idx="0">
-                  <c:v>1.000000</c:v>
-                </c:pt>
-                <c:pt idx="1">
-                  <c:v>2.000000</c:v>
-                </c:pt>
-                <c:pt idx="2">
-                  <c:v>3.000000</c:v>
-                </c:pt>
-                <c:pt idx="3">
-                  <c:v>4.000000</c:v>
+                <c:pt idx="4">
+                  <c:v>8</c:v>
                 </c:pt>
               </c:numCache>
             </c:numRef>

--- a/lib/pptx/test/test11.pptx
+++ b/lib/pptx/test/test11.pptx
@@ -828,7 +828,7 @@
             <a:noFill/>
             <a:ln w="76200" cap="flat">
               <a:solidFill>
-                <a:srgbClr val="56C1FF"/>
+                <a:srgbClr val="8ab4f8"/>
               </a:solidFill>
               <a:prstDash val="solid"/>
               <a:miter lim="400000"/>
@@ -930,7 +930,7 @@
             <a:noFill/>
             <a:ln w="76200" cap="flat">
               <a:solidFill>
-                <a:srgbClr val="56C1FF"/>
+                <a:srgbClr val="ff7769"/>
               </a:solidFill>
               <a:prstDash val="solid"/>
               <a:miter lim="400000"/>
